--- a/Forelesninger/ProgKursMandag.pptx
+++ b/Forelesninger/ProgKursMandag.pptx
@@ -37,7 +37,20 @@
     <p:sldId id="285" r:id="rId31"/>
     <p:sldId id="286" r:id="rId32"/>
     <p:sldId id="287" r:id="rId33"/>
-    <p:sldId id="288" r:id="rId34"/>
+    <p:sldId id="289" r:id="rId34"/>
+    <p:sldId id="291" r:id="rId35"/>
+    <p:sldId id="290" r:id="rId36"/>
+    <p:sldId id="292" r:id="rId37"/>
+    <p:sldId id="293" r:id="rId38"/>
+    <p:sldId id="294" r:id="rId39"/>
+    <p:sldId id="295" r:id="rId40"/>
+    <p:sldId id="296" r:id="rId41"/>
+    <p:sldId id="297" r:id="rId42"/>
+    <p:sldId id="298" r:id="rId43"/>
+    <p:sldId id="299" r:id="rId44"/>
+    <p:sldId id="300" r:id="rId45"/>
+    <p:sldId id="301" r:id="rId46"/>
+    <p:sldId id="288" r:id="rId47"/>
   </p:sldIdLst>
   <p:sldSz cx="12192000" cy="6858000"/>
   <p:notesSz cx="6858000" cy="9144000"/>
@@ -136,7 +149,16 @@
       </a:defRPr>
     </a:lvl9pPr>
   </p:defaultTextStyle>
+  <p:extLst>
+    <p:ext uri="{EFAFB233-063F-42B5-8137-9DF3F51BA10A}">
+      <p15:sldGuideLst xmlns:p15="http://schemas.microsoft.com/office/powerpoint/2012/main"/>
+    </p:ext>
+  </p:extLst>
 </p:presentation>
+</file>
+
+<file path=ppt/revisionInfo.xml><?xml version="1.0" encoding="utf-8"?>
+<p1510:revInfo xmlns:a="http://schemas.openxmlformats.org/drawingml/2006/main" xmlns:r="http://schemas.openxmlformats.org/officeDocument/2006/relationships" xmlns:p1510="http://schemas.microsoft.com/office/powerpoint/2015/10/main"/>
 </file>
 
 <file path=ppt/slideLayouts/slideLayout1.xml><?xml version="1.0" encoding="utf-8"?>
@@ -286,7 +308,7 @@
           <a:p>
             <a:fld id="{3E8A5F9B-AD8B-4818-8F7D-D6F3C39554BB}" type="datetimeFigureOut">
               <a:rPr lang="nb-NO" smtClean="0"/>
-              <a:t>28.07.2017</a:t>
+              <a:t>30.07.2017</a:t>
             </a:fld>
             <a:endParaRPr lang="nb-NO"/>
           </a:p>
@@ -484,7 +506,7 @@
           <a:p>
             <a:fld id="{3E8A5F9B-AD8B-4818-8F7D-D6F3C39554BB}" type="datetimeFigureOut">
               <a:rPr lang="nb-NO" smtClean="0"/>
-              <a:t>28.07.2017</a:t>
+              <a:t>30.07.2017</a:t>
             </a:fld>
             <a:endParaRPr lang="nb-NO"/>
           </a:p>
@@ -692,7 +714,7 @@
           <a:p>
             <a:fld id="{3E8A5F9B-AD8B-4818-8F7D-D6F3C39554BB}" type="datetimeFigureOut">
               <a:rPr lang="nb-NO" smtClean="0"/>
-              <a:t>28.07.2017</a:t>
+              <a:t>30.07.2017</a:t>
             </a:fld>
             <a:endParaRPr lang="nb-NO"/>
           </a:p>
@@ -890,7 +912,7 @@
           <a:p>
             <a:fld id="{3E8A5F9B-AD8B-4818-8F7D-D6F3C39554BB}" type="datetimeFigureOut">
               <a:rPr lang="nb-NO" smtClean="0"/>
-              <a:t>28.07.2017</a:t>
+              <a:t>30.07.2017</a:t>
             </a:fld>
             <a:endParaRPr lang="nb-NO"/>
           </a:p>
@@ -1165,7 +1187,7 @@
           <a:p>
             <a:fld id="{3E8A5F9B-AD8B-4818-8F7D-D6F3C39554BB}" type="datetimeFigureOut">
               <a:rPr lang="nb-NO" smtClean="0"/>
-              <a:t>28.07.2017</a:t>
+              <a:t>30.07.2017</a:t>
             </a:fld>
             <a:endParaRPr lang="nb-NO"/>
           </a:p>
@@ -1430,7 +1452,7 @@
           <a:p>
             <a:fld id="{3E8A5F9B-AD8B-4818-8F7D-D6F3C39554BB}" type="datetimeFigureOut">
               <a:rPr lang="nb-NO" smtClean="0"/>
-              <a:t>28.07.2017</a:t>
+              <a:t>30.07.2017</a:t>
             </a:fld>
             <a:endParaRPr lang="nb-NO"/>
           </a:p>
@@ -1842,7 +1864,7 @@
           <a:p>
             <a:fld id="{3E8A5F9B-AD8B-4818-8F7D-D6F3C39554BB}" type="datetimeFigureOut">
               <a:rPr lang="nb-NO" smtClean="0"/>
-              <a:t>28.07.2017</a:t>
+              <a:t>30.07.2017</a:t>
             </a:fld>
             <a:endParaRPr lang="nb-NO"/>
           </a:p>
@@ -1983,7 +2005,7 @@
           <a:p>
             <a:fld id="{3E8A5F9B-AD8B-4818-8F7D-D6F3C39554BB}" type="datetimeFigureOut">
               <a:rPr lang="nb-NO" smtClean="0"/>
-              <a:t>28.07.2017</a:t>
+              <a:t>30.07.2017</a:t>
             </a:fld>
             <a:endParaRPr lang="nb-NO"/>
           </a:p>
@@ -2096,7 +2118,7 @@
           <a:p>
             <a:fld id="{3E8A5F9B-AD8B-4818-8F7D-D6F3C39554BB}" type="datetimeFigureOut">
               <a:rPr lang="nb-NO" smtClean="0"/>
-              <a:t>28.07.2017</a:t>
+              <a:t>30.07.2017</a:t>
             </a:fld>
             <a:endParaRPr lang="nb-NO"/>
           </a:p>
@@ -2407,7 +2429,7 @@
           <a:p>
             <a:fld id="{3E8A5F9B-AD8B-4818-8F7D-D6F3C39554BB}" type="datetimeFigureOut">
               <a:rPr lang="nb-NO" smtClean="0"/>
-              <a:t>28.07.2017</a:t>
+              <a:t>30.07.2017</a:t>
             </a:fld>
             <a:endParaRPr lang="nb-NO"/>
           </a:p>
@@ -2695,7 +2717,7 @@
           <a:p>
             <a:fld id="{3E8A5F9B-AD8B-4818-8F7D-D6F3C39554BB}" type="datetimeFigureOut">
               <a:rPr lang="nb-NO" smtClean="0"/>
-              <a:t>28.07.2017</a:t>
+              <a:t>30.07.2017</a:t>
             </a:fld>
             <a:endParaRPr lang="nb-NO"/>
           </a:p>
@@ -2942,7 +2964,7 @@
           <a:p>
             <a:fld id="{3E8A5F9B-AD8B-4818-8F7D-D6F3C39554BB}" type="datetimeFigureOut">
               <a:rPr lang="nb-NO" smtClean="0"/>
-              <a:t>28.07.2017</a:t>
+              <a:t>30.07.2017</a:t>
             </a:fld>
             <a:endParaRPr lang="nb-NO"/>
           </a:p>
@@ -5438,6 +5460,13 @@
               <a:rPr lang="nb-NO" b="1" dirty="0"/>
               <a:t>Hva er programmering?</a:t>
             </a:r>
+            <a:br>
+              <a:rPr lang="nb-NO" b="1" dirty="0"/>
+            </a:br>
+            <a:r>
+              <a:rPr lang="nb-NO" b="1" dirty="0"/>
+              <a:t>Og Binærtall</a:t>
+            </a:r>
           </a:p>
         </p:txBody>
       </p:sp>
@@ -6656,7 +6685,7 @@
           <p:cNvPr id="2" name="Tittel 1">
             <a:extLst>
               <a:ext uri="{FF2B5EF4-FFF2-40B4-BE49-F238E27FC236}">
-                <a16:creationId xmlns:a16="http://schemas.microsoft.com/office/drawing/2014/main" id="{4E71E242-8F28-4524-9540-4EFB8AB6DF5F}"/>
+                <a16:creationId xmlns:a16="http://schemas.microsoft.com/office/drawing/2014/main" id="{2ECCD9D9-936B-4594-A408-240A7DB15990}"/>
               </a:ext>
             </a:extLst>
           </p:cNvPr>
@@ -6667,20 +6696,115 @@
             <p:ph type="title"/>
           </p:nvPr>
         </p:nvSpPr>
-        <p:spPr>
-          <a:xfrm>
-            <a:off x="901995" y="2746818"/>
-            <a:ext cx="10515600" cy="1325563"/>
-          </a:xfrm>
-        </p:spPr>
-        <p:txBody>
-          <a:bodyPr/>
-          <a:lstStyle/>
-          <a:p>
-            <a:pPr algn="ctr"/>
+        <p:spPr/>
+        <p:txBody>
+          <a:bodyPr/>
+          <a:lstStyle/>
+          <a:p>
             <a:r>
               <a:rPr lang="nb-NO" b="1" dirty="0"/>
-              <a:t>Oppgaver</a:t>
+              <a:t>Binærtall</a:t>
+            </a:r>
+          </a:p>
+        </p:txBody>
+      </p:sp>
+      <p:sp>
+        <p:nvSpPr>
+          <p:cNvPr id="3" name="Plassholder for innhold 2">
+            <a:extLst>
+              <a:ext uri="{FF2B5EF4-FFF2-40B4-BE49-F238E27FC236}">
+                <a16:creationId xmlns:a16="http://schemas.microsoft.com/office/drawing/2014/main" id="{2EE608F4-6CC9-43B5-B36F-7B3D738A151C}"/>
+              </a:ext>
+            </a:extLst>
+          </p:cNvPr>
+          <p:cNvSpPr>
+            <a:spLocks noGrp="1"/>
+          </p:cNvSpPr>
+          <p:nvPr>
+            <p:ph idx="1"/>
+          </p:nvPr>
+        </p:nvSpPr>
+        <p:spPr/>
+        <p:txBody>
+          <a:bodyPr/>
+          <a:lstStyle/>
+          <a:p>
+            <a:pPr>
+              <a:lnSpc>
+                <a:spcPct val="150000"/>
+              </a:lnSpc>
+            </a:pPr>
+            <a:r>
+              <a:rPr lang="nb-NO" dirty="0"/>
+              <a:t>Kalles også </a:t>
+            </a:r>
+            <a:r>
+              <a:rPr lang="nb-NO" b="1" dirty="0"/>
+              <a:t>totallsystemet</a:t>
+            </a:r>
+          </a:p>
+          <a:p>
+            <a:pPr lvl="1">
+              <a:lnSpc>
+                <a:spcPct val="150000"/>
+              </a:lnSpc>
+            </a:pPr>
+            <a:r>
+              <a:rPr lang="nb-NO" dirty="0"/>
+              <a:t>Representerer tall kun vha. to tall - </a:t>
+            </a:r>
+            <a:r>
+              <a:rPr lang="nb-NO" b="1" dirty="0"/>
+              <a:t>0 og 1</a:t>
+            </a:r>
+          </a:p>
+          <a:p>
+            <a:pPr>
+              <a:lnSpc>
+                <a:spcPct val="150000"/>
+              </a:lnSpc>
+            </a:pPr>
+            <a:r>
+              <a:rPr lang="nb-NO" dirty="0"/>
+              <a:t>Binærtall er viktig å ha et forhold til, da datamaskinen tolker rekker av tall på totallsystemet for å representere verdier, f.eks.:</a:t>
+            </a:r>
+          </a:p>
+          <a:p>
+            <a:pPr lvl="1">
+              <a:lnSpc>
+                <a:spcPct val="150000"/>
+              </a:lnSpc>
+            </a:pPr>
+            <a:r>
+              <a:rPr lang="nb-NO" dirty="0"/>
+              <a:t>Tall, bokstaver, farger++</a:t>
+            </a:r>
+          </a:p>
+          <a:p>
+            <a:pPr>
+              <a:lnSpc>
+                <a:spcPct val="150000"/>
+              </a:lnSpc>
+            </a:pPr>
+            <a:r>
+              <a:rPr lang="nb-NO" dirty="0"/>
+              <a:t>I binærtall er </a:t>
+            </a:r>
+            <a:r>
+              <a:rPr lang="nb-NO" b="1" dirty="0"/>
+              <a:t>posisjonen til tallene </a:t>
+            </a:r>
+            <a:r>
+              <a:rPr lang="nb-NO" dirty="0"/>
+              <a:t>og </a:t>
+            </a:r>
+            <a:r>
+              <a:rPr lang="nb-NO" b="1" dirty="0"/>
+              <a:t>lengden av tallene </a:t>
+            </a:r>
+            <a:r>
+              <a:rPr lang="nb-NO" dirty="0"/>
+              <a:t>viktig</a:t>
             </a:r>
           </a:p>
         </p:txBody>
@@ -6688,7 +6812,1072 @@
     </p:spTree>
     <p:extLst>
       <p:ext uri="{BB962C8B-B14F-4D97-AF65-F5344CB8AC3E}">
-        <p14:creationId xmlns:p14="http://schemas.microsoft.com/office/powerpoint/2010/main" val="1603250684"/>
+        <p14:creationId xmlns:p14="http://schemas.microsoft.com/office/powerpoint/2010/main" val="4023235238"/>
+      </p:ext>
+    </p:extLst>
+  </p:cSld>
+  <p:clrMapOvr>
+    <a:masterClrMapping/>
+  </p:clrMapOvr>
+</p:sld>
+</file>
+
+<file path=ppt/slides/slide34.xml><?xml version="1.0" encoding="utf-8"?>
+<p:sld xmlns:a="http://schemas.openxmlformats.org/drawingml/2006/main" xmlns:r="http://schemas.openxmlformats.org/officeDocument/2006/relationships" xmlns:p="http://schemas.openxmlformats.org/presentationml/2006/main">
+  <p:cSld>
+    <p:spTree>
+      <p:nvGrpSpPr>
+        <p:cNvPr id="1" name=""/>
+        <p:cNvGrpSpPr/>
+        <p:nvPr/>
+      </p:nvGrpSpPr>
+      <p:grpSpPr>
+        <a:xfrm>
+          <a:off x="0" y="0"/>
+          <a:ext cx="0" cy="0"/>
+          <a:chOff x="0" y="0"/>
+          <a:chExt cx="0" cy="0"/>
+        </a:xfrm>
+      </p:grpSpPr>
+      <p:sp>
+        <p:nvSpPr>
+          <p:cNvPr id="2" name="Tittel 1">
+            <a:extLst>
+              <a:ext uri="{FF2B5EF4-FFF2-40B4-BE49-F238E27FC236}">
+                <a16:creationId xmlns:a16="http://schemas.microsoft.com/office/drawing/2014/main" id="{803A3846-98C0-48DF-AE8D-B4BCE18C7176}"/>
+              </a:ext>
+            </a:extLst>
+          </p:cNvPr>
+          <p:cNvSpPr>
+            <a:spLocks noGrp="1"/>
+          </p:cNvSpPr>
+          <p:nvPr>
+            <p:ph type="title"/>
+          </p:nvPr>
+        </p:nvSpPr>
+        <p:spPr/>
+        <p:txBody>
+          <a:bodyPr/>
+          <a:lstStyle/>
+          <a:p>
+            <a:r>
+              <a:rPr lang="nb-NO" dirty="0"/>
+              <a:t>Bit og Byte</a:t>
+            </a:r>
+          </a:p>
+        </p:txBody>
+      </p:sp>
+      <p:sp>
+        <p:nvSpPr>
+          <p:cNvPr id="4" name="Plassholder for innhold 3">
+            <a:extLst>
+              <a:ext uri="{FF2B5EF4-FFF2-40B4-BE49-F238E27FC236}">
+                <a16:creationId xmlns:a16="http://schemas.microsoft.com/office/drawing/2014/main" id="{41EAA9D3-82E9-437E-ACBA-14AB3AF23BE3}"/>
+              </a:ext>
+            </a:extLst>
+          </p:cNvPr>
+          <p:cNvSpPr>
+            <a:spLocks noGrp="1"/>
+          </p:cNvSpPr>
+          <p:nvPr>
+            <p:ph sz="half" idx="1"/>
+          </p:nvPr>
+        </p:nvSpPr>
+        <p:spPr/>
+        <p:txBody>
+          <a:bodyPr>
+            <a:normAutofit/>
+          </a:bodyPr>
+          <a:lstStyle/>
+          <a:p>
+            <a:pPr marL="0" indent="0" algn="ctr">
+              <a:buNone/>
+            </a:pPr>
+            <a:r>
+              <a:rPr lang="nb-NO" sz="9600" b="1" dirty="0"/>
+              <a:t>0</a:t>
+            </a:r>
+          </a:p>
+          <a:p>
+            <a:pPr marL="0" indent="0" algn="ctr">
+              <a:buNone/>
+            </a:pPr>
+            <a:r>
+              <a:rPr lang="nb-NO" dirty="0"/>
+              <a:t>Av</a:t>
+            </a:r>
+          </a:p>
+          <a:p>
+            <a:pPr marL="0" indent="0" algn="ctr">
+              <a:buNone/>
+            </a:pPr>
+            <a:endParaRPr lang="nb-NO" dirty="0"/>
+          </a:p>
+          <a:p>
+            <a:pPr marL="0" indent="0" algn="ctr">
+              <a:buNone/>
+            </a:pPr>
+            <a:r>
+              <a:rPr lang="nb-NO" dirty="0"/>
+              <a:t>Fravær av elektrisk impuls</a:t>
+            </a:r>
+          </a:p>
+        </p:txBody>
+      </p:sp>
+      <p:sp>
+        <p:nvSpPr>
+          <p:cNvPr id="5" name="Plassholder for innhold 4">
+            <a:extLst>
+              <a:ext uri="{FF2B5EF4-FFF2-40B4-BE49-F238E27FC236}">
+                <a16:creationId xmlns:a16="http://schemas.microsoft.com/office/drawing/2014/main" id="{A5675A46-58B5-436B-84D0-BB670EE527FE}"/>
+              </a:ext>
+            </a:extLst>
+          </p:cNvPr>
+          <p:cNvSpPr>
+            <a:spLocks noGrp="1"/>
+          </p:cNvSpPr>
+          <p:nvPr>
+            <p:ph sz="half" idx="2"/>
+          </p:nvPr>
+        </p:nvSpPr>
+        <p:spPr/>
+        <p:txBody>
+          <a:bodyPr/>
+          <a:lstStyle/>
+          <a:p>
+            <a:pPr marL="0" indent="0" algn="ctr">
+              <a:buNone/>
+            </a:pPr>
+            <a:r>
+              <a:rPr lang="nb-NO" sz="9600" b="1" dirty="0"/>
+              <a:t>1</a:t>
+            </a:r>
+          </a:p>
+          <a:p>
+            <a:pPr marL="0" indent="0" algn="ctr">
+              <a:buNone/>
+            </a:pPr>
+            <a:r>
+              <a:rPr lang="nb-NO" dirty="0"/>
+              <a:t>På</a:t>
+            </a:r>
+          </a:p>
+          <a:p>
+            <a:pPr marL="0" indent="0" algn="ctr">
+              <a:buNone/>
+            </a:pPr>
+            <a:endParaRPr lang="nb-NO" dirty="0"/>
+          </a:p>
+          <a:p>
+            <a:pPr marL="0" indent="0" algn="ctr">
+              <a:buNone/>
+            </a:pPr>
+            <a:r>
+              <a:rPr lang="nb-NO" dirty="0"/>
+              <a:t>Elektrisk impuls</a:t>
+            </a:r>
+          </a:p>
+          <a:p>
+            <a:pPr marL="0" indent="0">
+              <a:buNone/>
+            </a:pPr>
+            <a:endParaRPr lang="nb-NO" dirty="0"/>
+          </a:p>
+        </p:txBody>
+      </p:sp>
+    </p:spTree>
+    <p:extLst>
+      <p:ext uri="{BB962C8B-B14F-4D97-AF65-F5344CB8AC3E}">
+        <p14:creationId xmlns:p14="http://schemas.microsoft.com/office/powerpoint/2010/main" val="3961361089"/>
+      </p:ext>
+    </p:extLst>
+  </p:cSld>
+  <p:clrMapOvr>
+    <a:masterClrMapping/>
+  </p:clrMapOvr>
+</p:sld>
+</file>
+
+<file path=ppt/slides/slide35.xml><?xml version="1.0" encoding="utf-8"?>
+<p:sld xmlns:a="http://schemas.openxmlformats.org/drawingml/2006/main" xmlns:r="http://schemas.openxmlformats.org/officeDocument/2006/relationships" xmlns:p="http://schemas.openxmlformats.org/presentationml/2006/main">
+  <p:cSld>
+    <p:spTree>
+      <p:nvGrpSpPr>
+        <p:cNvPr id="1" name=""/>
+        <p:cNvGrpSpPr/>
+        <p:nvPr/>
+      </p:nvGrpSpPr>
+      <p:grpSpPr>
+        <a:xfrm>
+          <a:off x="0" y="0"/>
+          <a:ext cx="0" cy="0"/>
+          <a:chOff x="0" y="0"/>
+          <a:chExt cx="0" cy="0"/>
+        </a:xfrm>
+      </p:grpSpPr>
+      <p:sp>
+        <p:nvSpPr>
+          <p:cNvPr id="2" name="Tittel 1">
+            <a:extLst>
+              <a:ext uri="{FF2B5EF4-FFF2-40B4-BE49-F238E27FC236}">
+                <a16:creationId xmlns:a16="http://schemas.microsoft.com/office/drawing/2014/main" id="{12D347F1-2788-4040-BC27-B1F2686D9665}"/>
+              </a:ext>
+            </a:extLst>
+          </p:cNvPr>
+          <p:cNvSpPr>
+            <a:spLocks noGrp="1"/>
+          </p:cNvSpPr>
+          <p:nvPr>
+            <p:ph type="title"/>
+          </p:nvPr>
+        </p:nvSpPr>
+        <p:spPr/>
+        <p:txBody>
+          <a:bodyPr/>
+          <a:lstStyle/>
+          <a:p>
+            <a:r>
+              <a:rPr lang="nb-NO" dirty="0"/>
+              <a:t>Bit og Byte</a:t>
+            </a:r>
+          </a:p>
+        </p:txBody>
+      </p:sp>
+      <p:sp>
+        <p:nvSpPr>
+          <p:cNvPr id="3" name="Plassholder for innhold 2">
+            <a:extLst>
+              <a:ext uri="{FF2B5EF4-FFF2-40B4-BE49-F238E27FC236}">
+                <a16:creationId xmlns:a16="http://schemas.microsoft.com/office/drawing/2014/main" id="{A1102773-824E-417F-8A79-A910971FC656}"/>
+              </a:ext>
+            </a:extLst>
+          </p:cNvPr>
+          <p:cNvSpPr>
+            <a:spLocks noGrp="1"/>
+          </p:cNvSpPr>
+          <p:nvPr>
+            <p:ph idx="1"/>
+          </p:nvPr>
+        </p:nvSpPr>
+        <p:spPr/>
+        <p:txBody>
+          <a:bodyPr/>
+          <a:lstStyle/>
+          <a:p>
+            <a:pPr>
+              <a:lnSpc>
+                <a:spcPct val="150000"/>
+              </a:lnSpc>
+            </a:pPr>
+            <a:r>
+              <a:rPr lang="nb-NO" dirty="0"/>
+              <a:t>En </a:t>
+            </a:r>
+            <a:r>
+              <a:rPr lang="nb-NO" b="1" dirty="0"/>
+              <a:t>bit </a:t>
+            </a:r>
+            <a:r>
+              <a:rPr lang="nb-NO" dirty="0"/>
+              <a:t>har kun </a:t>
+            </a:r>
+            <a:r>
+              <a:rPr lang="nb-NO" b="1" dirty="0"/>
+              <a:t>to mulige verdier</a:t>
+            </a:r>
+            <a:r>
+              <a:rPr lang="nb-NO" dirty="0"/>
+              <a:t>, enten 0 eller 1 </a:t>
+            </a:r>
+          </a:p>
+          <a:p>
+            <a:pPr lvl="1">
+              <a:lnSpc>
+                <a:spcPct val="150000"/>
+              </a:lnSpc>
+            </a:pPr>
+            <a:r>
+              <a:rPr lang="nb-NO" dirty="0"/>
+              <a:t>En </a:t>
+            </a:r>
+            <a:r>
+              <a:rPr lang="nb-NO" b="1" dirty="0"/>
+              <a:t>byte </a:t>
+            </a:r>
+            <a:r>
+              <a:rPr lang="nb-NO" dirty="0"/>
+              <a:t>er en samling av </a:t>
+            </a:r>
+            <a:r>
+              <a:rPr lang="nb-NO" b="1" dirty="0"/>
+              <a:t>8 bits</a:t>
+            </a:r>
+          </a:p>
+          <a:p>
+            <a:pPr>
+              <a:lnSpc>
+                <a:spcPct val="150000"/>
+              </a:lnSpc>
+            </a:pPr>
+            <a:r>
+              <a:rPr lang="nb-NO" dirty="0"/>
+              <a:t>F. eks: En bokstav kan ikke representeres som en bit, men byte gjør det mulig å representere en bokstav</a:t>
+            </a:r>
+          </a:p>
+          <a:p>
+            <a:pPr>
+              <a:lnSpc>
+                <a:spcPct val="150000"/>
+              </a:lnSpc>
+            </a:pPr>
+            <a:r>
+              <a:rPr lang="nb-NO" dirty="0"/>
+              <a:t>Hvorfor?</a:t>
+            </a:r>
+          </a:p>
+          <a:p>
+            <a:pPr lvl="1">
+              <a:lnSpc>
+                <a:spcPct val="150000"/>
+              </a:lnSpc>
+            </a:pPr>
+            <a:r>
+              <a:rPr lang="nb-NO" dirty="0"/>
+              <a:t>Fordi vi har flere enn to bokstaver</a:t>
+            </a:r>
+          </a:p>
+          <a:p>
+            <a:pPr lvl="1">
+              <a:lnSpc>
+                <a:spcPct val="150000"/>
+              </a:lnSpc>
+            </a:pPr>
+            <a:endParaRPr lang="nb-NO" dirty="0"/>
+          </a:p>
+        </p:txBody>
+      </p:sp>
+      <p:sp>
+        <p:nvSpPr>
+          <p:cNvPr id="4" name="Rektangel 3">
+            <a:extLst>
+              <a:ext uri="{FF2B5EF4-FFF2-40B4-BE49-F238E27FC236}">
+                <a16:creationId xmlns:a16="http://schemas.microsoft.com/office/drawing/2014/main" id="{6C0F47B5-2106-4CCF-9013-8A132708633D}"/>
+              </a:ext>
+            </a:extLst>
+          </p:cNvPr>
+          <p:cNvSpPr/>
+          <p:nvPr/>
+        </p:nvSpPr>
+        <p:spPr>
+          <a:xfrm>
+            <a:off x="10200195" y="6127234"/>
+            <a:ext cx="2307209" cy="369332"/>
+          </a:xfrm>
+          <a:prstGeom prst="rect">
+            <a:avLst/>
+          </a:prstGeom>
+        </p:spPr>
+        <p:txBody>
+          <a:bodyPr wrap="square">
+            <a:spAutoFit/>
+          </a:bodyPr>
+          <a:lstStyle/>
+          <a:p>
+            <a:r>
+              <a:rPr lang="nb-NO" dirty="0" err="1">
+                <a:hlinkClick r:id="rId2"/>
+              </a:rPr>
+              <a:t>TechQuickie</a:t>
+            </a:r>
+            <a:endParaRPr lang="nb-NO" dirty="0"/>
+          </a:p>
+        </p:txBody>
+      </p:sp>
+    </p:spTree>
+    <p:extLst>
+      <p:ext uri="{BB962C8B-B14F-4D97-AF65-F5344CB8AC3E}">
+        <p14:creationId xmlns:p14="http://schemas.microsoft.com/office/powerpoint/2010/main" val="3476120737"/>
+      </p:ext>
+    </p:extLst>
+  </p:cSld>
+  <p:clrMapOvr>
+    <a:masterClrMapping/>
+  </p:clrMapOvr>
+</p:sld>
+</file>
+
+<file path=ppt/slides/slide36.xml><?xml version="1.0" encoding="utf-8"?>
+<p:sld xmlns:a="http://schemas.openxmlformats.org/drawingml/2006/main" xmlns:r="http://schemas.openxmlformats.org/officeDocument/2006/relationships" xmlns:p="http://schemas.openxmlformats.org/presentationml/2006/main">
+  <p:cSld>
+    <p:spTree>
+      <p:nvGrpSpPr>
+        <p:cNvPr id="1" name=""/>
+        <p:cNvGrpSpPr/>
+        <p:nvPr/>
+      </p:nvGrpSpPr>
+      <p:grpSpPr>
+        <a:xfrm>
+          <a:off x="0" y="0"/>
+          <a:ext cx="0" cy="0"/>
+          <a:chOff x="0" y="0"/>
+          <a:chExt cx="0" cy="0"/>
+        </a:xfrm>
+      </p:grpSpPr>
+      <p:sp>
+        <p:nvSpPr>
+          <p:cNvPr id="2" name="Tittel 1">
+            <a:extLst>
+              <a:ext uri="{FF2B5EF4-FFF2-40B4-BE49-F238E27FC236}">
+                <a16:creationId xmlns:a16="http://schemas.microsoft.com/office/drawing/2014/main" id="{0D11C0B4-8F8D-4769-8C42-84C920B40580}"/>
+              </a:ext>
+            </a:extLst>
+          </p:cNvPr>
+          <p:cNvSpPr>
+            <a:spLocks noGrp="1"/>
+          </p:cNvSpPr>
+          <p:nvPr>
+            <p:ph type="title"/>
+          </p:nvPr>
+        </p:nvSpPr>
+        <p:spPr/>
+        <p:txBody>
+          <a:bodyPr/>
+          <a:lstStyle/>
+          <a:p>
+            <a:r>
+              <a:rPr lang="nb-NO" dirty="0"/>
+              <a:t>Hvorfor binærtall?</a:t>
+            </a:r>
+          </a:p>
+        </p:txBody>
+      </p:sp>
+      <p:sp>
+        <p:nvSpPr>
+          <p:cNvPr id="3" name="Plassholder for innhold 2">
+            <a:extLst>
+              <a:ext uri="{FF2B5EF4-FFF2-40B4-BE49-F238E27FC236}">
+                <a16:creationId xmlns:a16="http://schemas.microsoft.com/office/drawing/2014/main" id="{612A245F-468F-49BB-92FB-77554ACE12CF}"/>
+              </a:ext>
+            </a:extLst>
+          </p:cNvPr>
+          <p:cNvSpPr>
+            <a:spLocks noGrp="1"/>
+          </p:cNvSpPr>
+          <p:nvPr>
+            <p:ph idx="1"/>
+          </p:nvPr>
+        </p:nvSpPr>
+        <p:spPr/>
+        <p:txBody>
+          <a:bodyPr/>
+          <a:lstStyle/>
+          <a:p>
+            <a:pPr>
+              <a:lnSpc>
+                <a:spcPct val="150000"/>
+              </a:lnSpc>
+            </a:pPr>
+            <a:r>
+              <a:rPr lang="nb-NO" dirty="0"/>
+              <a:t>Strømmen fra veggen gjøres om fra analog til digital</a:t>
+            </a:r>
+          </a:p>
+          <a:p>
+            <a:pPr>
+              <a:lnSpc>
+                <a:spcPct val="150000"/>
+              </a:lnSpc>
+            </a:pPr>
+            <a:r>
+              <a:rPr lang="nb-NO" dirty="0"/>
+              <a:t>Strømmen gjøres om og gjør slik at datamaskinen kan ta mot og sende </a:t>
+            </a:r>
+            <a:r>
+              <a:rPr lang="nb-NO" b="1" dirty="0"/>
+              <a:t>logiske strømmer</a:t>
+            </a:r>
+            <a:r>
+              <a:rPr lang="nb-NO" dirty="0"/>
+              <a:t>, altså signal med bare to mulige verdier</a:t>
+            </a:r>
+          </a:p>
+        </p:txBody>
+      </p:sp>
+      <p:pic>
+        <p:nvPicPr>
+          <p:cNvPr id="5" name="Bilde 4">
+            <a:extLst>
+              <a:ext uri="{FF2B5EF4-FFF2-40B4-BE49-F238E27FC236}">
+                <a16:creationId xmlns:a16="http://schemas.microsoft.com/office/drawing/2014/main" id="{EAA9FC98-4A98-4C16-9546-EB342EAEB7FB}"/>
+              </a:ext>
+            </a:extLst>
+          </p:cNvPr>
+          <p:cNvPicPr>
+            <a:picLocks noChangeAspect="1"/>
+          </p:cNvPicPr>
+          <p:nvPr/>
+        </p:nvPicPr>
+        <p:blipFill>
+          <a:blip r:embed="rId2">
+            <a:extLst>
+              <a:ext uri="{28A0092B-C50C-407E-A947-70E740481C1C}">
+                <a14:useLocalDpi xmlns:a14="http://schemas.microsoft.com/office/drawing/2010/main" val="0"/>
+              </a:ext>
+            </a:extLst>
+          </a:blip>
+          <a:stretch>
+            <a:fillRect/>
+          </a:stretch>
+        </p:blipFill>
+        <p:spPr>
+          <a:xfrm>
+            <a:off x="838199" y="4251457"/>
+            <a:ext cx="10985205" cy="2267867"/>
+          </a:xfrm>
+          <a:prstGeom prst="rect">
+            <a:avLst/>
+          </a:prstGeom>
+        </p:spPr>
+      </p:pic>
+    </p:spTree>
+    <p:extLst>
+      <p:ext uri="{BB962C8B-B14F-4D97-AF65-F5344CB8AC3E}">
+        <p14:creationId xmlns:p14="http://schemas.microsoft.com/office/powerpoint/2010/main" val="1871738779"/>
+      </p:ext>
+    </p:extLst>
+  </p:cSld>
+  <p:clrMapOvr>
+    <a:masterClrMapping/>
+  </p:clrMapOvr>
+</p:sld>
+</file>
+
+<file path=ppt/slides/slide37.xml><?xml version="1.0" encoding="utf-8"?>
+<p:sld xmlns:a="http://schemas.openxmlformats.org/drawingml/2006/main" xmlns:r="http://schemas.openxmlformats.org/officeDocument/2006/relationships" xmlns:p="http://schemas.openxmlformats.org/presentationml/2006/main">
+  <p:cSld>
+    <p:spTree>
+      <p:nvGrpSpPr>
+        <p:cNvPr id="1" name=""/>
+        <p:cNvGrpSpPr/>
+        <p:nvPr/>
+      </p:nvGrpSpPr>
+      <p:grpSpPr>
+        <a:xfrm>
+          <a:off x="0" y="0"/>
+          <a:ext cx="0" cy="0"/>
+          <a:chOff x="0" y="0"/>
+          <a:chExt cx="0" cy="0"/>
+        </a:xfrm>
+      </p:grpSpPr>
+      <p:sp>
+        <p:nvSpPr>
+          <p:cNvPr id="2" name="Tittel 1">
+            <a:extLst>
+              <a:ext uri="{FF2B5EF4-FFF2-40B4-BE49-F238E27FC236}">
+                <a16:creationId xmlns:a16="http://schemas.microsoft.com/office/drawing/2014/main" id="{B75CBEAD-3A64-4EAA-9E9D-F483C92678AD}"/>
+              </a:ext>
+            </a:extLst>
+          </p:cNvPr>
+          <p:cNvSpPr>
+            <a:spLocks noGrp="1"/>
+          </p:cNvSpPr>
+          <p:nvPr>
+            <p:ph type="title"/>
+          </p:nvPr>
+        </p:nvSpPr>
+        <p:spPr/>
+        <p:txBody>
+          <a:bodyPr/>
+          <a:lstStyle/>
+          <a:p>
+            <a:r>
+              <a:rPr lang="nb-NO" dirty="0"/>
+              <a:t>Posisjonen til tallene er viktig</a:t>
+            </a:r>
+          </a:p>
+        </p:txBody>
+      </p:sp>
+      <p:sp>
+        <p:nvSpPr>
+          <p:cNvPr id="3" name="Plassholder for innhold 2">
+            <a:extLst>
+              <a:ext uri="{FF2B5EF4-FFF2-40B4-BE49-F238E27FC236}">
+                <a16:creationId xmlns:a16="http://schemas.microsoft.com/office/drawing/2014/main" id="{EDFC6144-E627-4342-ADB6-A48B49F5214C}"/>
+              </a:ext>
+            </a:extLst>
+          </p:cNvPr>
+          <p:cNvSpPr>
+            <a:spLocks noGrp="1"/>
+          </p:cNvSpPr>
+          <p:nvPr>
+            <p:ph idx="1"/>
+          </p:nvPr>
+        </p:nvSpPr>
+        <p:spPr/>
+        <p:txBody>
+          <a:bodyPr/>
+          <a:lstStyle/>
+          <a:p>
+            <a:pPr>
+              <a:lnSpc>
+                <a:spcPct val="150000"/>
+              </a:lnSpc>
+            </a:pPr>
+            <a:r>
+              <a:rPr lang="nb-NO" dirty="0"/>
+              <a:t>I og med at vi bare har to tall, og må sette sammen tall i rekker, er posisjonen til tallene viktig</a:t>
+            </a:r>
+          </a:p>
+          <a:p>
+            <a:pPr>
+              <a:lnSpc>
+                <a:spcPct val="150000"/>
+              </a:lnSpc>
+            </a:pPr>
+            <a:r>
+              <a:rPr lang="nb-NO" dirty="0"/>
+              <a:t>Vi leser binærtall fra høyre mot venstre, hvor null er startverdien</a:t>
+            </a:r>
+          </a:p>
+        </p:txBody>
+      </p:sp>
+    </p:spTree>
+    <p:extLst>
+      <p:ext uri="{BB962C8B-B14F-4D97-AF65-F5344CB8AC3E}">
+        <p14:creationId xmlns:p14="http://schemas.microsoft.com/office/powerpoint/2010/main" val="3671733532"/>
+      </p:ext>
+    </p:extLst>
+  </p:cSld>
+  <p:clrMapOvr>
+    <a:masterClrMapping/>
+  </p:clrMapOvr>
+</p:sld>
+</file>
+
+<file path=ppt/slides/slide38.xml><?xml version="1.0" encoding="utf-8"?>
+<p:sld xmlns:a="http://schemas.openxmlformats.org/drawingml/2006/main" xmlns:r="http://schemas.openxmlformats.org/officeDocument/2006/relationships" xmlns:p="http://schemas.openxmlformats.org/presentationml/2006/main">
+  <p:cSld>
+    <p:spTree>
+      <p:nvGrpSpPr>
+        <p:cNvPr id="1" name=""/>
+        <p:cNvGrpSpPr/>
+        <p:nvPr/>
+      </p:nvGrpSpPr>
+      <p:grpSpPr>
+        <a:xfrm>
+          <a:off x="0" y="0"/>
+          <a:ext cx="0" cy="0"/>
+          <a:chOff x="0" y="0"/>
+          <a:chExt cx="0" cy="0"/>
+        </a:xfrm>
+      </p:grpSpPr>
+      <p:sp>
+        <p:nvSpPr>
+          <p:cNvPr id="2" name="Tittel 1">
+            <a:extLst>
+              <a:ext uri="{FF2B5EF4-FFF2-40B4-BE49-F238E27FC236}">
+                <a16:creationId xmlns:a16="http://schemas.microsoft.com/office/drawing/2014/main" id="{52A39698-65FD-47A4-81D5-71799232FEF8}"/>
+              </a:ext>
+            </a:extLst>
+          </p:cNvPr>
+          <p:cNvSpPr>
+            <a:spLocks noGrp="1"/>
+          </p:cNvSpPr>
+          <p:nvPr>
+            <p:ph type="title"/>
+          </p:nvPr>
+        </p:nvSpPr>
+        <p:spPr/>
+        <p:txBody>
+          <a:bodyPr/>
+          <a:lstStyle/>
+          <a:p>
+            <a:pPr algn="ctr"/>
+            <a:r>
+              <a:rPr lang="nb-NO" dirty="0"/>
+              <a:t>0 </a:t>
+            </a:r>
+            <a:br>
+              <a:rPr lang="nb-NO" dirty="0"/>
+            </a:br>
+            <a:r>
+              <a:rPr lang="nb-NO" dirty="0"/>
+              <a:t>(8-bits byte)</a:t>
+            </a:r>
+          </a:p>
+        </p:txBody>
+      </p:sp>
+      <p:pic>
+        <p:nvPicPr>
+          <p:cNvPr id="5" name="Plassholder for innhold 4" descr="Et bilde som inneholder objekt, ting&#10;&#10;Beskrivelse som er generert med svært høy visshet">
+            <a:extLst>
+              <a:ext uri="{FF2B5EF4-FFF2-40B4-BE49-F238E27FC236}">
+                <a16:creationId xmlns:a16="http://schemas.microsoft.com/office/drawing/2014/main" id="{4E1AE822-1155-42F5-B59E-3930D7A3C83C}"/>
+              </a:ext>
+            </a:extLst>
+          </p:cNvPr>
+          <p:cNvPicPr>
+            <a:picLocks noGrp="1" noChangeAspect="1"/>
+          </p:cNvPicPr>
+          <p:nvPr>
+            <p:ph idx="1"/>
+          </p:nvPr>
+        </p:nvPicPr>
+        <p:blipFill>
+          <a:blip r:embed="rId2">
+            <a:extLst>
+              <a:ext uri="{28A0092B-C50C-407E-A947-70E740481C1C}">
+                <a14:useLocalDpi xmlns:a14="http://schemas.microsoft.com/office/drawing/2010/main" val="0"/>
+              </a:ext>
+            </a:extLst>
+          </a:blip>
+          <a:stretch>
+            <a:fillRect/>
+          </a:stretch>
+        </p:blipFill>
+        <p:spPr>
+          <a:xfrm>
+            <a:off x="1932994" y="2867661"/>
+            <a:ext cx="8326012" cy="2267266"/>
+          </a:xfrm>
+        </p:spPr>
+      </p:pic>
+    </p:spTree>
+    <p:extLst>
+      <p:ext uri="{BB962C8B-B14F-4D97-AF65-F5344CB8AC3E}">
+        <p14:creationId xmlns:p14="http://schemas.microsoft.com/office/powerpoint/2010/main" val="3216112002"/>
+      </p:ext>
+    </p:extLst>
+  </p:cSld>
+  <p:clrMapOvr>
+    <a:masterClrMapping/>
+  </p:clrMapOvr>
+</p:sld>
+</file>
+
+<file path=ppt/slides/slide39.xml><?xml version="1.0" encoding="utf-8"?>
+<p:sld xmlns:a="http://schemas.openxmlformats.org/drawingml/2006/main" xmlns:r="http://schemas.openxmlformats.org/officeDocument/2006/relationships" xmlns:p="http://schemas.openxmlformats.org/presentationml/2006/main">
+  <p:cSld>
+    <p:spTree>
+      <p:nvGrpSpPr>
+        <p:cNvPr id="1" name=""/>
+        <p:cNvGrpSpPr/>
+        <p:nvPr/>
+      </p:nvGrpSpPr>
+      <p:grpSpPr>
+        <a:xfrm>
+          <a:off x="0" y="0"/>
+          <a:ext cx="0" cy="0"/>
+          <a:chOff x="0" y="0"/>
+          <a:chExt cx="0" cy="0"/>
+        </a:xfrm>
+      </p:grpSpPr>
+      <p:sp>
+        <p:nvSpPr>
+          <p:cNvPr id="2" name="Tittel 1">
+            <a:extLst>
+              <a:ext uri="{FF2B5EF4-FFF2-40B4-BE49-F238E27FC236}">
+                <a16:creationId xmlns:a16="http://schemas.microsoft.com/office/drawing/2014/main" id="{96EBE04F-82F3-456E-8D6C-8631B97A6EF8}"/>
+              </a:ext>
+            </a:extLst>
+          </p:cNvPr>
+          <p:cNvSpPr>
+            <a:spLocks noGrp="1"/>
+          </p:cNvSpPr>
+          <p:nvPr>
+            <p:ph type="title"/>
+          </p:nvPr>
+        </p:nvSpPr>
+        <p:spPr/>
+        <p:txBody>
+          <a:bodyPr/>
+          <a:lstStyle/>
+          <a:p>
+            <a:pPr algn="ctr"/>
+            <a:r>
+              <a:rPr lang="nb-NO" dirty="0"/>
+              <a:t>9</a:t>
+            </a:r>
+            <a:br>
+              <a:rPr lang="nb-NO" dirty="0"/>
+            </a:br>
+            <a:r>
+              <a:rPr lang="nb-NO" dirty="0"/>
+              <a:t>(8-bits byte)</a:t>
+            </a:r>
+          </a:p>
+        </p:txBody>
+      </p:sp>
+      <mc:AlternateContent xmlns:mc="http://schemas.openxmlformats.org/markup-compatibility/2006" xmlns:a14="http://schemas.microsoft.com/office/drawing/2010/main">
+        <mc:Choice Requires="a14">
+          <p:sp>
+            <p:nvSpPr>
+              <p:cNvPr id="3" name="Plassholder for innhold 2">
+                <a:extLst>
+                  <a:ext uri="{FF2B5EF4-FFF2-40B4-BE49-F238E27FC236}">
+                    <a16:creationId xmlns:a16="http://schemas.microsoft.com/office/drawing/2014/main" id="{9F27EAD1-DF2E-440F-BDDF-69C1998FA38A}"/>
+                  </a:ext>
+                </a:extLst>
+              </p:cNvPr>
+              <p:cNvSpPr>
+                <a:spLocks noGrp="1"/>
+              </p:cNvSpPr>
+              <p:nvPr>
+                <p:ph idx="1"/>
+              </p:nvPr>
+            </p:nvSpPr>
+            <p:spPr/>
+            <p:txBody>
+              <a:bodyPr/>
+              <a:lstStyle/>
+              <a:p>
+                <a:pPr>
+                  <a:lnSpc>
+                    <a:spcPct val="150000"/>
+                  </a:lnSpc>
+                </a:pPr>
+                <a:r>
+                  <a:rPr lang="nb-NO" dirty="0"/>
+                  <a:t>I og med at vi er på </a:t>
+                </a:r>
+                <a:r>
+                  <a:rPr lang="nb-NO" b="1" dirty="0"/>
+                  <a:t>to</a:t>
+                </a:r>
+                <a:r>
+                  <a:rPr lang="nb-NO" dirty="0"/>
+                  <a:t>tallsystemet, må vi finne ut hva </a:t>
+                </a:r>
+                <a:r>
+                  <a:rPr lang="nb-NO" b="1" dirty="0"/>
+                  <a:t>to </a:t>
+                </a:r>
+                <a:r>
+                  <a:rPr lang="nb-NO" dirty="0"/>
+                  <a:t>må være opphøyd i, for å uttrykke 9:</a:t>
+                </a:r>
+              </a:p>
+              <a:p>
+                <a:pPr lvl="1">
+                  <a:lnSpc>
+                    <a:spcPct val="150000"/>
+                  </a:lnSpc>
+                </a:pPr>
+                <a:r>
+                  <a:rPr lang="nb-NO" dirty="0"/>
+                  <a:t>2 + 2 + 2 + 2 + 1 = </a:t>
+                </a:r>
+                <a14:m>
+                  <m:oMath xmlns:m="http://schemas.openxmlformats.org/officeDocument/2006/math">
+                    <m:sSup>
+                      <m:sSupPr>
+                        <m:ctrlPr>
+                          <a:rPr lang="nb-NO" b="0" i="1" smtClean="0">
+                            <a:latin typeface="Cambria Math" panose="02040503050406030204" pitchFamily="18" charset="0"/>
+                          </a:rPr>
+                        </m:ctrlPr>
+                      </m:sSupPr>
+                      <m:e>
+                        <m:r>
+                          <a:rPr lang="nb-NO" b="0" i="1" smtClean="0">
+                            <a:latin typeface="Cambria Math" panose="02040503050406030204" pitchFamily="18" charset="0"/>
+                          </a:rPr>
+                          <m:t>2</m:t>
+                        </m:r>
+                      </m:e>
+                      <m:sup>
+                        <m:r>
+                          <a:rPr lang="nb-NO" b="0" i="1" smtClean="0">
+                            <a:latin typeface="Cambria Math" panose="02040503050406030204" pitchFamily="18" charset="0"/>
+                          </a:rPr>
+                          <m:t>3</m:t>
+                        </m:r>
+                      </m:sup>
+                    </m:sSup>
+                  </m:oMath>
+                </a14:m>
+                <a:r>
+                  <a:rPr lang="nb-NO" dirty="0"/>
+                  <a:t> +1 = </a:t>
+                </a:r>
+                <a14:m>
+                  <m:oMath xmlns:m="http://schemas.openxmlformats.org/officeDocument/2006/math">
+                    <m:sSup>
+                      <m:sSupPr>
+                        <m:ctrlPr>
+                          <a:rPr lang="nb-NO" b="1" i="1" dirty="0" smtClean="0">
+                            <a:latin typeface="Cambria Math" panose="02040503050406030204" pitchFamily="18" charset="0"/>
+                          </a:rPr>
+                        </m:ctrlPr>
+                      </m:sSupPr>
+                      <m:e>
+                        <m:r>
+                          <a:rPr lang="nb-NO" b="1" i="1" dirty="0" smtClean="0">
+                            <a:latin typeface="Cambria Math" panose="02040503050406030204" pitchFamily="18" charset="0"/>
+                          </a:rPr>
+                          <m:t>𝟐</m:t>
+                        </m:r>
+                      </m:e>
+                      <m:sup>
+                        <m:r>
+                          <a:rPr lang="nb-NO" b="1" i="1" dirty="0" smtClean="0">
+                            <a:latin typeface="Cambria Math" panose="02040503050406030204" pitchFamily="18" charset="0"/>
+                          </a:rPr>
+                          <m:t>𝟑</m:t>
+                        </m:r>
+                      </m:sup>
+                    </m:sSup>
+                  </m:oMath>
+                </a14:m>
+                <a:r>
+                  <a:rPr lang="nb-NO" b="1" dirty="0"/>
+                  <a:t>  + </a:t>
+                </a:r>
+                <a14:m>
+                  <m:oMath xmlns:m="http://schemas.openxmlformats.org/officeDocument/2006/math">
+                    <m:sSup>
+                      <m:sSupPr>
+                        <m:ctrlPr>
+                          <a:rPr lang="nb-NO" b="1" i="1" dirty="0" smtClean="0">
+                            <a:latin typeface="Cambria Math" panose="02040503050406030204" pitchFamily="18" charset="0"/>
+                          </a:rPr>
+                        </m:ctrlPr>
+                      </m:sSupPr>
+                      <m:e>
+                        <m:r>
+                          <a:rPr lang="nb-NO" b="1" i="1" dirty="0" smtClean="0">
+                            <a:latin typeface="Cambria Math" panose="02040503050406030204" pitchFamily="18" charset="0"/>
+                          </a:rPr>
+                          <m:t>𝟐</m:t>
+                        </m:r>
+                      </m:e>
+                      <m:sup>
+                        <m:r>
+                          <a:rPr lang="nb-NO" b="1" i="1" dirty="0" smtClean="0">
+                            <a:latin typeface="Cambria Math" panose="02040503050406030204" pitchFamily="18" charset="0"/>
+                          </a:rPr>
+                          <m:t>𝟎</m:t>
+                        </m:r>
+                      </m:sup>
+                    </m:sSup>
+                  </m:oMath>
+                </a14:m>
+                <a:r>
+                  <a:rPr lang="nb-NO" b="1" dirty="0"/>
+                  <a:t> </a:t>
+                </a:r>
+                <a:r>
+                  <a:rPr lang="nb-NO" dirty="0"/>
+                  <a:t>= 9</a:t>
+                </a:r>
+              </a:p>
+              <a:p>
+                <a:pPr>
+                  <a:lnSpc>
+                    <a:spcPct val="150000"/>
+                  </a:lnSpc>
+                </a:pPr>
+                <a:r>
+                  <a:rPr lang="nb-NO" dirty="0"/>
+                  <a:t>Vi ser at vi må ha enere på "</a:t>
+                </a:r>
+                <a:r>
+                  <a:rPr lang="nb-NO" b="1" dirty="0"/>
+                  <a:t>nulte</a:t>
+                </a:r>
+                <a:r>
+                  <a:rPr lang="nb-NO" dirty="0"/>
+                  <a:t>" og </a:t>
+                </a:r>
+                <a:r>
+                  <a:rPr lang="nb-NO" b="1" dirty="0"/>
+                  <a:t>tredje plass</a:t>
+                </a:r>
+                <a:endParaRPr lang="nb-NO" dirty="0"/>
+              </a:p>
+            </p:txBody>
+          </p:sp>
+        </mc:Choice>
+        <mc:Fallback xmlns="">
+          <p:sp>
+            <p:nvSpPr>
+              <p:cNvPr id="3" name="Plassholder for innhold 2">
+                <a:extLst>
+                  <a:ext uri="{FF2B5EF4-FFF2-40B4-BE49-F238E27FC236}">
+                    <a16:creationId xmlns:a16="http://schemas.microsoft.com/office/drawing/2014/main" id="{9F27EAD1-DF2E-440F-BDDF-69C1998FA38A}"/>
+                  </a:ext>
+                </a:extLst>
+              </p:cNvPr>
+              <p:cNvSpPr>
+                <a:spLocks noGrp="1" noRot="1" noChangeAspect="1" noMove="1" noResize="1" noEditPoints="1" noAdjustHandles="1" noChangeArrowheads="1" noChangeShapeType="1" noTextEdit="1"/>
+              </p:cNvSpPr>
+              <p:nvPr>
+                <p:ph idx="1"/>
+              </p:nvPr>
+            </p:nvSpPr>
+            <p:spPr>
+              <a:blipFill>
+                <a:blip r:embed="rId2"/>
+                <a:stretch>
+                  <a:fillRect l="-1043"/>
+                </a:stretch>
+              </a:blipFill>
+            </p:spPr>
+            <p:txBody>
+              <a:bodyPr/>
+              <a:lstStyle/>
+              <a:p>
+                <a:r>
+                  <a:rPr lang="nb-NO">
+                    <a:noFill/>
+                  </a:rPr>
+                  <a:t> </a:t>
+                </a:r>
+              </a:p>
+            </p:txBody>
+          </p:sp>
+        </mc:Fallback>
+      </mc:AlternateContent>
+      <p:pic>
+        <p:nvPicPr>
+          <p:cNvPr id="5" name="Bilde 4" descr="Et bilde som inneholder ting, objekt, klokke&#10;&#10;Beskrivelse som er generert med svært høy visshet">
+            <a:extLst>
+              <a:ext uri="{FF2B5EF4-FFF2-40B4-BE49-F238E27FC236}">
+                <a16:creationId xmlns:a16="http://schemas.microsoft.com/office/drawing/2014/main" id="{818D2C8C-8A0A-46F0-9311-FD9414BC94A3}"/>
+              </a:ext>
+            </a:extLst>
+          </p:cNvPr>
+          <p:cNvPicPr>
+            <a:picLocks noChangeAspect="1"/>
+          </p:cNvPicPr>
+          <p:nvPr/>
+        </p:nvPicPr>
+        <p:blipFill>
+          <a:blip r:embed="rId3">
+            <a:extLst>
+              <a:ext uri="{28A0092B-C50C-407E-A947-70E740481C1C}">
+                <a14:useLocalDpi xmlns:a14="http://schemas.microsoft.com/office/drawing/2010/main" val="0"/>
+              </a:ext>
+            </a:extLst>
+          </a:blip>
+          <a:stretch>
+            <a:fillRect/>
+          </a:stretch>
+        </p:blipFill>
+        <p:spPr>
+          <a:xfrm>
+            <a:off x="701988" y="4763386"/>
+            <a:ext cx="10788024" cy="1839433"/>
+          </a:xfrm>
+          <a:prstGeom prst="rect">
+            <a:avLst/>
+          </a:prstGeom>
+        </p:spPr>
+      </p:pic>
+    </p:spTree>
+    <p:extLst>
+      <p:ext uri="{BB962C8B-B14F-4D97-AF65-F5344CB8AC3E}">
+        <p14:creationId xmlns:p14="http://schemas.microsoft.com/office/powerpoint/2010/main" val="1014557635"/>
       </p:ext>
     </p:extLst>
   </p:cSld>
@@ -6811,6 +8000,2057 @@
 </p:sld>
 </file>
 
+<file path=ppt/slides/slide40.xml><?xml version="1.0" encoding="utf-8"?>
+<p:sld xmlns:a="http://schemas.openxmlformats.org/drawingml/2006/main" xmlns:r="http://schemas.openxmlformats.org/officeDocument/2006/relationships" xmlns:p="http://schemas.openxmlformats.org/presentationml/2006/main">
+  <p:cSld>
+    <p:spTree>
+      <p:nvGrpSpPr>
+        <p:cNvPr id="1" name=""/>
+        <p:cNvGrpSpPr/>
+        <p:nvPr/>
+      </p:nvGrpSpPr>
+      <p:grpSpPr>
+        <a:xfrm>
+          <a:off x="0" y="0"/>
+          <a:ext cx="0" cy="0"/>
+          <a:chOff x="0" y="0"/>
+          <a:chExt cx="0" cy="0"/>
+        </a:xfrm>
+      </p:grpSpPr>
+      <p:sp>
+        <p:nvSpPr>
+          <p:cNvPr id="2" name="Tittel 1">
+            <a:extLst>
+              <a:ext uri="{FF2B5EF4-FFF2-40B4-BE49-F238E27FC236}">
+                <a16:creationId xmlns:a16="http://schemas.microsoft.com/office/drawing/2014/main" id="{F7B3CFA2-8767-49EB-86B4-7469647D94B5}"/>
+              </a:ext>
+            </a:extLst>
+          </p:cNvPr>
+          <p:cNvSpPr>
+            <a:spLocks noGrp="1"/>
+          </p:cNvSpPr>
+          <p:nvPr>
+            <p:ph type="title"/>
+          </p:nvPr>
+        </p:nvSpPr>
+        <p:spPr/>
+        <p:txBody>
+          <a:bodyPr/>
+          <a:lstStyle/>
+          <a:p>
+            <a:r>
+              <a:rPr lang="nb-NO" dirty="0"/>
+              <a:t>Lengden til tallene er viktig</a:t>
+            </a:r>
+          </a:p>
+        </p:txBody>
+      </p:sp>
+      <mc:AlternateContent xmlns:mc="http://schemas.openxmlformats.org/markup-compatibility/2006" xmlns:a14="http://schemas.microsoft.com/office/drawing/2010/main">
+        <mc:Choice Requires="a14">
+          <p:sp>
+            <p:nvSpPr>
+              <p:cNvPr id="3" name="Plassholder for innhold 2">
+                <a:extLst>
+                  <a:ext uri="{FF2B5EF4-FFF2-40B4-BE49-F238E27FC236}">
+                    <a16:creationId xmlns:a16="http://schemas.microsoft.com/office/drawing/2014/main" id="{5B3E7042-38D6-410E-B7D6-A675CADAA19E}"/>
+                  </a:ext>
+                </a:extLst>
+              </p:cNvPr>
+              <p:cNvSpPr>
+                <a:spLocks noGrp="1"/>
+              </p:cNvSpPr>
+              <p:nvPr>
+                <p:ph idx="1"/>
+              </p:nvPr>
+            </p:nvSpPr>
+            <p:spPr>
+              <a:xfrm>
+                <a:off x="838200" y="1825625"/>
+                <a:ext cx="10515600" cy="4351338"/>
+              </a:xfrm>
+            </p:spPr>
+            <p:txBody>
+              <a:bodyPr/>
+              <a:lstStyle/>
+              <a:p>
+                <a:pPr>
+                  <a:lnSpc>
+                    <a:spcPct val="150000"/>
+                  </a:lnSpc>
+                </a:pPr>
+                <a:r>
+                  <a:rPr lang="nb-NO" dirty="0"/>
+                  <a:t>Lengden av rekkene med 0ere og 1ere påvirker hvor store tall vi kan skrive</a:t>
+                </a:r>
+              </a:p>
+              <a:p>
+                <a:pPr>
+                  <a:lnSpc>
+                    <a:spcPct val="150000"/>
+                  </a:lnSpc>
+                </a:pPr>
+                <a:r>
+                  <a:rPr lang="nb-NO" dirty="0"/>
+                  <a:t>F. eks. kan 8-bits binærtall kun representere tall opp til 255 (</a:t>
+                </a:r>
+                <a14:m>
+                  <m:oMath xmlns:m="http://schemas.openxmlformats.org/officeDocument/2006/math">
+                    <m:sSup>
+                      <m:sSupPr>
+                        <m:ctrlPr>
+                          <a:rPr lang="nb-NO" b="0" i="1" dirty="0" smtClean="0">
+                            <a:latin typeface="Cambria Math" panose="02040503050406030204" pitchFamily="18" charset="0"/>
+                          </a:rPr>
+                        </m:ctrlPr>
+                      </m:sSupPr>
+                      <m:e>
+                        <m:r>
+                          <a:rPr lang="nb-NO" i="1" dirty="0" smtClean="0">
+                            <a:latin typeface="Cambria Math" panose="02040503050406030204" pitchFamily="18" charset="0"/>
+                          </a:rPr>
+                          <m:t>2</m:t>
+                        </m:r>
+                      </m:e>
+                      <m:sup>
+                        <m:r>
+                          <a:rPr lang="nb-NO" i="1" dirty="0" smtClean="0">
+                            <a:latin typeface="Cambria Math" panose="02040503050406030204" pitchFamily="18" charset="0"/>
+                          </a:rPr>
+                          <m:t>8</m:t>
+                        </m:r>
+                      </m:sup>
+                    </m:sSup>
+                  </m:oMath>
+                </a14:m>
+                <a:r>
+                  <a:rPr lang="nb-NO" dirty="0"/>
+                  <a:t>-1). Ved høyere tallrepresentasjoner må vi øke </a:t>
+                </a:r>
+                <a:r>
+                  <a:rPr lang="nb-NO" dirty="0" err="1"/>
+                  <a:t>bitmengden</a:t>
+                </a:r>
+                <a:r>
+                  <a:rPr lang="nb-NO" dirty="0"/>
+                  <a:t> til binærtallet</a:t>
+                </a:r>
+              </a:p>
+            </p:txBody>
+          </p:sp>
+        </mc:Choice>
+        <mc:Fallback xmlns="">
+          <p:sp>
+            <p:nvSpPr>
+              <p:cNvPr id="3" name="Plassholder for innhold 2">
+                <a:extLst>
+                  <a:ext uri="{FF2B5EF4-FFF2-40B4-BE49-F238E27FC236}">
+                    <a16:creationId xmlns:a16="http://schemas.microsoft.com/office/drawing/2014/main" id="{5B3E7042-38D6-410E-B7D6-A675CADAA19E}"/>
+                  </a:ext>
+                </a:extLst>
+              </p:cNvPr>
+              <p:cNvSpPr>
+                <a:spLocks noGrp="1" noRot="1" noChangeAspect="1" noMove="1" noResize="1" noEditPoints="1" noAdjustHandles="1" noChangeArrowheads="1" noChangeShapeType="1" noTextEdit="1"/>
+              </p:cNvSpPr>
+              <p:nvPr>
+                <p:ph idx="1"/>
+              </p:nvPr>
+            </p:nvSpPr>
+            <p:spPr>
+              <a:xfrm>
+                <a:off x="838200" y="1825625"/>
+                <a:ext cx="10515600" cy="4351338"/>
+              </a:xfrm>
+              <a:blipFill>
+                <a:blip r:embed="rId2"/>
+                <a:stretch>
+                  <a:fillRect l="-1043"/>
+                </a:stretch>
+              </a:blipFill>
+            </p:spPr>
+            <p:txBody>
+              <a:bodyPr/>
+              <a:lstStyle/>
+              <a:p>
+                <a:r>
+                  <a:rPr lang="nb-NO">
+                    <a:noFill/>
+                  </a:rPr>
+                  <a:t> </a:t>
+                </a:r>
+              </a:p>
+            </p:txBody>
+          </p:sp>
+        </mc:Fallback>
+      </mc:AlternateContent>
+      <p:pic>
+        <p:nvPicPr>
+          <p:cNvPr id="4" name="Bilde 3">
+            <a:extLst>
+              <a:ext uri="{FF2B5EF4-FFF2-40B4-BE49-F238E27FC236}">
+                <a16:creationId xmlns:a16="http://schemas.microsoft.com/office/drawing/2014/main" id="{5159F731-F867-497F-8217-1B1B9B8D455A}"/>
+              </a:ext>
+            </a:extLst>
+          </p:cNvPr>
+          <p:cNvPicPr>
+            <a:picLocks noChangeAspect="1"/>
+          </p:cNvPicPr>
+          <p:nvPr/>
+        </p:nvPicPr>
+        <p:blipFill>
+          <a:blip r:embed="rId3"/>
+          <a:stretch>
+            <a:fillRect/>
+          </a:stretch>
+        </p:blipFill>
+        <p:spPr>
+          <a:xfrm>
+            <a:off x="2113598" y="4693687"/>
+            <a:ext cx="7964803" cy="2164313"/>
+          </a:xfrm>
+          <a:prstGeom prst="rect">
+            <a:avLst/>
+          </a:prstGeom>
+        </p:spPr>
+      </p:pic>
+      <p:sp>
+        <p:nvSpPr>
+          <p:cNvPr id="5" name="Ellipse 4">
+            <a:extLst>
+              <a:ext uri="{FF2B5EF4-FFF2-40B4-BE49-F238E27FC236}">
+                <a16:creationId xmlns:a16="http://schemas.microsoft.com/office/drawing/2014/main" id="{DF047AE4-36D6-40B1-B5F8-F4B899738981}"/>
+              </a:ext>
+            </a:extLst>
+          </p:cNvPr>
+          <p:cNvSpPr/>
+          <p:nvPr/>
+        </p:nvSpPr>
+        <p:spPr>
+          <a:xfrm>
+            <a:off x="2134863" y="4757482"/>
+            <a:ext cx="1033640" cy="1124686"/>
+          </a:xfrm>
+          <a:prstGeom prst="ellipse">
+            <a:avLst/>
+          </a:prstGeom>
+          <a:noFill/>
+          <a:ln w="38100">
+            <a:solidFill>
+              <a:srgbClr val="FF0000"/>
+            </a:solidFill>
+          </a:ln>
+        </p:spPr>
+        <p:style>
+          <a:lnRef idx="2">
+            <a:schemeClr val="accent1">
+              <a:shade val="50000"/>
+            </a:schemeClr>
+          </a:lnRef>
+          <a:fillRef idx="1">
+            <a:schemeClr val="accent1"/>
+          </a:fillRef>
+          <a:effectRef idx="0">
+            <a:schemeClr val="accent1"/>
+          </a:effectRef>
+          <a:fontRef idx="minor">
+            <a:schemeClr val="lt1"/>
+          </a:fontRef>
+        </p:style>
+        <p:txBody>
+          <a:bodyPr rtlCol="0" anchor="ctr"/>
+          <a:lstStyle/>
+          <a:p>
+            <a:pPr algn="ctr"/>
+            <a:endParaRPr lang="nb-NO" sz="2400" dirty="0"/>
+          </a:p>
+        </p:txBody>
+      </p:sp>
+    </p:spTree>
+    <p:extLst>
+      <p:ext uri="{BB962C8B-B14F-4D97-AF65-F5344CB8AC3E}">
+        <p14:creationId xmlns:p14="http://schemas.microsoft.com/office/powerpoint/2010/main" val="1100477636"/>
+      </p:ext>
+    </p:extLst>
+  </p:cSld>
+  <p:clrMapOvr>
+    <a:masterClrMapping/>
+  </p:clrMapOvr>
+</p:sld>
+</file>
+
+<file path=ppt/slides/slide41.xml><?xml version="1.0" encoding="utf-8"?>
+<p:sld xmlns:a="http://schemas.openxmlformats.org/drawingml/2006/main" xmlns:r="http://schemas.openxmlformats.org/officeDocument/2006/relationships" xmlns:p="http://schemas.openxmlformats.org/presentationml/2006/main">
+  <p:cSld>
+    <p:spTree>
+      <p:nvGrpSpPr>
+        <p:cNvPr id="1" name=""/>
+        <p:cNvGrpSpPr/>
+        <p:nvPr/>
+      </p:nvGrpSpPr>
+      <p:grpSpPr>
+        <a:xfrm>
+          <a:off x="0" y="0"/>
+          <a:ext cx="0" cy="0"/>
+          <a:chOff x="0" y="0"/>
+          <a:chExt cx="0" cy="0"/>
+        </a:xfrm>
+      </p:grpSpPr>
+      <p:sp>
+        <p:nvSpPr>
+          <p:cNvPr id="2" name="Tittel 1">
+            <a:extLst>
+              <a:ext uri="{FF2B5EF4-FFF2-40B4-BE49-F238E27FC236}">
+                <a16:creationId xmlns:a16="http://schemas.microsoft.com/office/drawing/2014/main" id="{8299E775-D1D6-4999-9426-62A1532D514F}"/>
+              </a:ext>
+            </a:extLst>
+          </p:cNvPr>
+          <p:cNvSpPr>
+            <a:spLocks noGrp="1"/>
+          </p:cNvSpPr>
+          <p:nvPr>
+            <p:ph type="title"/>
+          </p:nvPr>
+        </p:nvSpPr>
+        <p:spPr/>
+        <p:txBody>
+          <a:bodyPr/>
+          <a:lstStyle/>
+          <a:p>
+            <a:r>
+              <a:rPr lang="nb-NO" dirty="0"/>
+              <a:t>Lengden til tallene er viktig</a:t>
+            </a:r>
+          </a:p>
+        </p:txBody>
+      </p:sp>
+      <mc:AlternateContent xmlns:mc="http://schemas.openxmlformats.org/markup-compatibility/2006" xmlns:a14="http://schemas.microsoft.com/office/drawing/2010/main">
+        <mc:Choice Requires="a14">
+          <p:sp>
+            <p:nvSpPr>
+              <p:cNvPr id="3" name="Plassholder for innhold 2">
+                <a:extLst>
+                  <a:ext uri="{FF2B5EF4-FFF2-40B4-BE49-F238E27FC236}">
+                    <a16:creationId xmlns:a16="http://schemas.microsoft.com/office/drawing/2014/main" id="{E37D7FB7-E42D-40F1-A0FE-24916CD08191}"/>
+                  </a:ext>
+                </a:extLst>
+              </p:cNvPr>
+              <p:cNvSpPr>
+                <a:spLocks noGrp="1"/>
+              </p:cNvSpPr>
+              <p:nvPr>
+                <p:ph idx="1"/>
+              </p:nvPr>
+            </p:nvSpPr>
+            <p:spPr/>
+            <p:txBody>
+              <a:bodyPr/>
+              <a:lstStyle/>
+              <a:p>
+                <a:pPr>
+                  <a:lnSpc>
+                    <a:spcPct val="150000"/>
+                  </a:lnSpc>
+                </a:pPr>
+                <a:r>
+                  <a:rPr lang="nb-NO" dirty="0"/>
+                  <a:t>Lengden av rekkene med 0ere og 1ere påvirker hvor store tall vi kan skrive</a:t>
+                </a:r>
+              </a:p>
+              <a:p>
+                <a:pPr>
+                  <a:lnSpc>
+                    <a:spcPct val="150000"/>
+                  </a:lnSpc>
+                </a:pPr>
+                <a:r>
+                  <a:rPr lang="nb-NO" dirty="0"/>
+                  <a:t>F. eks. kan 8-bits binærtall kun representere tall opp til 255 (</a:t>
+                </a:r>
+                <a14:m>
+                  <m:oMath xmlns:m="http://schemas.openxmlformats.org/officeDocument/2006/math">
+                    <m:sSup>
+                      <m:sSupPr>
+                        <m:ctrlPr>
+                          <a:rPr lang="nb-NO" b="0" i="1" dirty="0" smtClean="0">
+                            <a:latin typeface="Cambria Math" panose="02040503050406030204" pitchFamily="18" charset="0"/>
+                          </a:rPr>
+                        </m:ctrlPr>
+                      </m:sSupPr>
+                      <m:e>
+                        <m:r>
+                          <a:rPr lang="nb-NO" i="1" dirty="0" smtClean="0">
+                            <a:latin typeface="Cambria Math" panose="02040503050406030204" pitchFamily="18" charset="0"/>
+                          </a:rPr>
+                          <m:t>2</m:t>
+                        </m:r>
+                      </m:e>
+                      <m:sup>
+                        <m:r>
+                          <a:rPr lang="nb-NO" i="1" dirty="0" smtClean="0">
+                            <a:latin typeface="Cambria Math" panose="02040503050406030204" pitchFamily="18" charset="0"/>
+                          </a:rPr>
+                          <m:t>8</m:t>
+                        </m:r>
+                      </m:sup>
+                    </m:sSup>
+                  </m:oMath>
+                </a14:m>
+                <a:r>
+                  <a:rPr lang="nb-NO" dirty="0"/>
+                  <a:t>-1). Ved høyere tallrepresentasjoner må vi øke </a:t>
+                </a:r>
+                <a:r>
+                  <a:rPr lang="nb-NO" dirty="0" err="1"/>
+                  <a:t>bitmengden</a:t>
+                </a:r>
+                <a:r>
+                  <a:rPr lang="nb-NO" dirty="0"/>
+                  <a:t> til binærtallet</a:t>
+                </a:r>
+              </a:p>
+              <a:p>
+                <a:pPr>
+                  <a:lnSpc>
+                    <a:spcPct val="150000"/>
+                  </a:lnSpc>
+                </a:pPr>
+                <a:endParaRPr lang="nb-NO" dirty="0"/>
+              </a:p>
+            </p:txBody>
+          </p:sp>
+        </mc:Choice>
+        <mc:Fallback xmlns="">
+          <p:sp>
+            <p:nvSpPr>
+              <p:cNvPr id="3" name="Plassholder for innhold 2">
+                <a:extLst>
+                  <a:ext uri="{FF2B5EF4-FFF2-40B4-BE49-F238E27FC236}">
+                    <a16:creationId xmlns:a16="http://schemas.microsoft.com/office/drawing/2014/main" id="{E37D7FB7-E42D-40F1-A0FE-24916CD08191}"/>
+                  </a:ext>
+                </a:extLst>
+              </p:cNvPr>
+              <p:cNvSpPr>
+                <a:spLocks noGrp="1" noRot="1" noChangeAspect="1" noMove="1" noResize="1" noEditPoints="1" noAdjustHandles="1" noChangeArrowheads="1" noChangeShapeType="1" noTextEdit="1"/>
+              </p:cNvSpPr>
+              <p:nvPr>
+                <p:ph idx="1"/>
+              </p:nvPr>
+            </p:nvSpPr>
+            <p:spPr>
+              <a:blipFill>
+                <a:blip r:embed="rId2"/>
+                <a:stretch>
+                  <a:fillRect l="-1043"/>
+                </a:stretch>
+              </a:blipFill>
+            </p:spPr>
+            <p:txBody>
+              <a:bodyPr/>
+              <a:lstStyle/>
+              <a:p>
+                <a:r>
+                  <a:rPr lang="nb-NO">
+                    <a:noFill/>
+                  </a:rPr>
+                  <a:t> </a:t>
+                </a:r>
+              </a:p>
+            </p:txBody>
+          </p:sp>
+        </mc:Fallback>
+      </mc:AlternateContent>
+      <p:pic>
+        <p:nvPicPr>
+          <p:cNvPr id="4" name="Bilde 3">
+            <a:extLst>
+              <a:ext uri="{FF2B5EF4-FFF2-40B4-BE49-F238E27FC236}">
+                <a16:creationId xmlns:a16="http://schemas.microsoft.com/office/drawing/2014/main" id="{91C3D775-C550-4A3F-A521-6E06F79BFDD1}"/>
+              </a:ext>
+            </a:extLst>
+          </p:cNvPr>
+          <p:cNvPicPr>
+            <a:picLocks noChangeAspect="1"/>
+          </p:cNvPicPr>
+          <p:nvPr/>
+        </p:nvPicPr>
+        <p:blipFill>
+          <a:blip r:embed="rId3"/>
+          <a:stretch>
+            <a:fillRect/>
+          </a:stretch>
+        </p:blipFill>
+        <p:spPr>
+          <a:xfrm>
+            <a:off x="2113598" y="4693687"/>
+            <a:ext cx="7964803" cy="2164313"/>
+          </a:xfrm>
+          <a:prstGeom prst="rect">
+            <a:avLst/>
+          </a:prstGeom>
+        </p:spPr>
+      </p:pic>
+      <p:sp>
+        <p:nvSpPr>
+          <p:cNvPr id="6" name="Ellipse 5">
+            <a:extLst>
+              <a:ext uri="{FF2B5EF4-FFF2-40B4-BE49-F238E27FC236}">
+                <a16:creationId xmlns:a16="http://schemas.microsoft.com/office/drawing/2014/main" id="{1D0FE7FF-2540-44B3-B370-2191F7B7CD42}"/>
+              </a:ext>
+            </a:extLst>
+          </p:cNvPr>
+          <p:cNvSpPr/>
+          <p:nvPr/>
+        </p:nvSpPr>
+        <p:spPr>
+          <a:xfrm>
+            <a:off x="2134863" y="4757482"/>
+            <a:ext cx="1033640" cy="1124686"/>
+          </a:xfrm>
+          <a:prstGeom prst="ellipse">
+            <a:avLst/>
+          </a:prstGeom>
+          <a:noFill/>
+          <a:ln w="38100">
+            <a:solidFill>
+              <a:srgbClr val="FF0000"/>
+            </a:solidFill>
+          </a:ln>
+        </p:spPr>
+        <p:style>
+          <a:lnRef idx="2">
+            <a:schemeClr val="accent1">
+              <a:shade val="50000"/>
+            </a:schemeClr>
+          </a:lnRef>
+          <a:fillRef idx="1">
+            <a:schemeClr val="accent1"/>
+          </a:fillRef>
+          <a:effectRef idx="0">
+            <a:schemeClr val="accent1"/>
+          </a:effectRef>
+          <a:fontRef idx="minor">
+            <a:schemeClr val="lt1"/>
+          </a:fontRef>
+        </p:style>
+        <p:txBody>
+          <a:bodyPr rtlCol="0" anchor="ctr"/>
+          <a:lstStyle/>
+          <a:p>
+            <a:pPr algn="ctr"/>
+            <a:endParaRPr lang="nb-NO" sz="2400" dirty="0"/>
+          </a:p>
+        </p:txBody>
+      </p:sp>
+      <p:sp>
+        <p:nvSpPr>
+          <p:cNvPr id="7" name="Ellipse 6">
+            <a:extLst>
+              <a:ext uri="{FF2B5EF4-FFF2-40B4-BE49-F238E27FC236}">
+                <a16:creationId xmlns:a16="http://schemas.microsoft.com/office/drawing/2014/main" id="{C20A9259-A1A1-4B22-B025-CEB00578C3AF}"/>
+              </a:ext>
+            </a:extLst>
+          </p:cNvPr>
+          <p:cNvSpPr/>
+          <p:nvPr/>
+        </p:nvSpPr>
+        <p:spPr>
+          <a:xfrm>
+            <a:off x="9915052" y="3381156"/>
+            <a:ext cx="326698" cy="343694"/>
+          </a:xfrm>
+          <a:prstGeom prst="ellipse">
+            <a:avLst/>
+          </a:prstGeom>
+          <a:noFill/>
+          <a:ln w="38100">
+            <a:solidFill>
+              <a:srgbClr val="FF0000"/>
+            </a:solidFill>
+          </a:ln>
+        </p:spPr>
+        <p:style>
+          <a:lnRef idx="2">
+            <a:schemeClr val="accent1">
+              <a:shade val="50000"/>
+            </a:schemeClr>
+          </a:lnRef>
+          <a:fillRef idx="1">
+            <a:schemeClr val="accent1"/>
+          </a:fillRef>
+          <a:effectRef idx="0">
+            <a:schemeClr val="accent1"/>
+          </a:effectRef>
+          <a:fontRef idx="minor">
+            <a:schemeClr val="lt1"/>
+          </a:fontRef>
+        </p:style>
+        <p:txBody>
+          <a:bodyPr rtlCol="0" anchor="ctr"/>
+          <a:lstStyle/>
+          <a:p>
+            <a:pPr algn="ctr"/>
+            <a:endParaRPr lang="nb-NO" sz="2400" dirty="0"/>
+          </a:p>
+        </p:txBody>
+      </p:sp>
+      <p:cxnSp>
+        <p:nvCxnSpPr>
+          <p:cNvPr id="9" name="Rett pilkobling 8">
+            <a:extLst>
+              <a:ext uri="{FF2B5EF4-FFF2-40B4-BE49-F238E27FC236}">
+                <a16:creationId xmlns:a16="http://schemas.microsoft.com/office/drawing/2014/main" id="{A6240439-5C8B-4821-AB93-B878C4D068F4}"/>
+              </a:ext>
+            </a:extLst>
+          </p:cNvPr>
+          <p:cNvCxnSpPr/>
+          <p:nvPr/>
+        </p:nvCxnSpPr>
+        <p:spPr>
+          <a:xfrm>
+            <a:off x="9441712" y="3147237"/>
+            <a:ext cx="473340" cy="233919"/>
+          </a:xfrm>
+          <a:prstGeom prst="straightConnector1">
+            <a:avLst/>
+          </a:prstGeom>
+          <a:ln w="12700">
+            <a:tailEnd type="triangle"/>
+          </a:ln>
+        </p:spPr>
+        <p:style>
+          <a:lnRef idx="1">
+            <a:schemeClr val="dk1"/>
+          </a:lnRef>
+          <a:fillRef idx="0">
+            <a:schemeClr val="dk1"/>
+          </a:fillRef>
+          <a:effectRef idx="0">
+            <a:schemeClr val="dk1"/>
+          </a:effectRef>
+          <a:fontRef idx="minor">
+            <a:schemeClr val="tx1"/>
+          </a:fontRef>
+        </p:style>
+      </p:cxnSp>
+      <p:sp>
+        <p:nvSpPr>
+          <p:cNvPr id="10" name="TekstSylinder 9">
+            <a:extLst>
+              <a:ext uri="{FF2B5EF4-FFF2-40B4-BE49-F238E27FC236}">
+                <a16:creationId xmlns:a16="http://schemas.microsoft.com/office/drawing/2014/main" id="{BF759AB6-B950-4B73-9310-A5F9B8DE7936}"/>
+              </a:ext>
+            </a:extLst>
+          </p:cNvPr>
+          <p:cNvSpPr txBox="1"/>
+          <p:nvPr/>
+        </p:nvSpPr>
+        <p:spPr>
+          <a:xfrm>
+            <a:off x="8723720" y="2860506"/>
+            <a:ext cx="782587" cy="461665"/>
+          </a:xfrm>
+          <a:prstGeom prst="rect">
+            <a:avLst/>
+          </a:prstGeom>
+          <a:noFill/>
+        </p:spPr>
+        <p:txBody>
+          <a:bodyPr wrap="none" rtlCol="0">
+            <a:spAutoFit/>
+          </a:bodyPr>
+          <a:lstStyle/>
+          <a:p>
+            <a:r>
+              <a:rPr lang="nb-NO" sz="2400" b="1" dirty="0"/>
+              <a:t>8-bit</a:t>
+            </a:r>
+          </a:p>
+        </p:txBody>
+      </p:sp>
+    </p:spTree>
+    <p:extLst>
+      <p:ext uri="{BB962C8B-B14F-4D97-AF65-F5344CB8AC3E}">
+        <p14:creationId xmlns:p14="http://schemas.microsoft.com/office/powerpoint/2010/main" val="258281262"/>
+      </p:ext>
+    </p:extLst>
+  </p:cSld>
+  <p:clrMapOvr>
+    <a:masterClrMapping/>
+  </p:clrMapOvr>
+</p:sld>
+</file>
+
+<file path=ppt/slides/slide42.xml><?xml version="1.0" encoding="utf-8"?>
+<p:sld xmlns:a="http://schemas.openxmlformats.org/drawingml/2006/main" xmlns:r="http://schemas.openxmlformats.org/officeDocument/2006/relationships" xmlns:p="http://schemas.openxmlformats.org/presentationml/2006/main">
+  <p:cSld>
+    <p:spTree>
+      <p:nvGrpSpPr>
+        <p:cNvPr id="1" name=""/>
+        <p:cNvGrpSpPr/>
+        <p:nvPr/>
+      </p:nvGrpSpPr>
+      <p:grpSpPr>
+        <a:xfrm>
+          <a:off x="0" y="0"/>
+          <a:ext cx="0" cy="0"/>
+          <a:chOff x="0" y="0"/>
+          <a:chExt cx="0" cy="0"/>
+        </a:xfrm>
+      </p:grpSpPr>
+      <p:sp>
+        <p:nvSpPr>
+          <p:cNvPr id="2" name="Tittel 1">
+            <a:extLst>
+              <a:ext uri="{FF2B5EF4-FFF2-40B4-BE49-F238E27FC236}">
+                <a16:creationId xmlns:a16="http://schemas.microsoft.com/office/drawing/2014/main" id="{835646C5-1F1B-4DD1-A2D5-EF46036CD69A}"/>
+              </a:ext>
+            </a:extLst>
+          </p:cNvPr>
+          <p:cNvSpPr>
+            <a:spLocks noGrp="1"/>
+          </p:cNvSpPr>
+          <p:nvPr>
+            <p:ph type="title"/>
+          </p:nvPr>
+        </p:nvSpPr>
+        <p:spPr/>
+        <p:txBody>
+          <a:bodyPr/>
+          <a:lstStyle/>
+          <a:p>
+            <a:r>
+              <a:rPr lang="nb-NO" dirty="0"/>
+              <a:t>Aritmetikk</a:t>
+            </a:r>
+          </a:p>
+        </p:txBody>
+      </p:sp>
+      <p:sp>
+        <p:nvSpPr>
+          <p:cNvPr id="3" name="Plassholder for innhold 2">
+            <a:extLst>
+              <a:ext uri="{FF2B5EF4-FFF2-40B4-BE49-F238E27FC236}">
+                <a16:creationId xmlns:a16="http://schemas.microsoft.com/office/drawing/2014/main" id="{C38E807C-9C16-4E69-8981-E5998863EDD3}"/>
+              </a:ext>
+            </a:extLst>
+          </p:cNvPr>
+          <p:cNvSpPr>
+            <a:spLocks noGrp="1"/>
+          </p:cNvSpPr>
+          <p:nvPr>
+            <p:ph idx="1"/>
+          </p:nvPr>
+        </p:nvSpPr>
+        <p:spPr>
+          <a:xfrm>
+            <a:off x="838200" y="1736526"/>
+            <a:ext cx="10515600" cy="1704384"/>
+          </a:xfrm>
+        </p:spPr>
+        <p:txBody>
+          <a:bodyPr/>
+          <a:lstStyle/>
+          <a:p>
+            <a:r>
+              <a:rPr lang="nb-NO" dirty="0"/>
+              <a:t>Det er mulig å gjøre aritmetikk, f.eks. addisjon og subtraksjon, med binære tall</a:t>
+            </a:r>
+          </a:p>
+          <a:p>
+            <a:r>
+              <a:rPr lang="nb-NO" dirty="0"/>
+              <a:t>Eks.: addisjon:</a:t>
+            </a:r>
+          </a:p>
+        </p:txBody>
+      </p:sp>
+      <p:sp>
+        <p:nvSpPr>
+          <p:cNvPr id="6" name="Rektangel 5">
+            <a:extLst>
+              <a:ext uri="{FF2B5EF4-FFF2-40B4-BE49-F238E27FC236}">
+                <a16:creationId xmlns:a16="http://schemas.microsoft.com/office/drawing/2014/main" id="{E135C4F1-1DC4-4EA3-A9A4-23871220C629}"/>
+              </a:ext>
+            </a:extLst>
+          </p:cNvPr>
+          <p:cNvSpPr/>
+          <p:nvPr/>
+        </p:nvSpPr>
+        <p:spPr>
+          <a:xfrm>
+            <a:off x="334718" y="5107895"/>
+            <a:ext cx="1245321" cy="1200329"/>
+          </a:xfrm>
+          <a:prstGeom prst="rect">
+            <a:avLst/>
+          </a:prstGeom>
+        </p:spPr>
+        <p:txBody>
+          <a:bodyPr wrap="square">
+            <a:spAutoFit/>
+          </a:bodyPr>
+          <a:lstStyle/>
+          <a:p>
+            <a:r>
+              <a:rPr lang="nb-NO" sz="2400" dirty="0">
+                <a:latin typeface="Helvetica-Light"/>
+              </a:rPr>
+              <a:t>   0111</a:t>
+            </a:r>
+          </a:p>
+          <a:p>
+            <a:r>
+              <a:rPr lang="nb-NO" sz="2400" dirty="0">
+                <a:latin typeface="Helvetica-Light"/>
+              </a:rPr>
+              <a:t>+ </a:t>
+            </a:r>
+            <a:r>
+              <a:rPr lang="nb-NO" sz="2400" u="sng" dirty="0">
+                <a:latin typeface="Helvetica-Light"/>
+              </a:rPr>
+              <a:t>0110</a:t>
+            </a:r>
+          </a:p>
+          <a:p>
+            <a:endParaRPr lang="nb-NO" sz="2400" dirty="0"/>
+          </a:p>
+        </p:txBody>
+      </p:sp>
+      <p:sp>
+        <p:nvSpPr>
+          <p:cNvPr id="7" name="Rektangel 6">
+            <a:extLst>
+              <a:ext uri="{FF2B5EF4-FFF2-40B4-BE49-F238E27FC236}">
+                <a16:creationId xmlns:a16="http://schemas.microsoft.com/office/drawing/2014/main" id="{0287D738-53EE-4E65-9508-B95072B3B1A4}"/>
+              </a:ext>
+            </a:extLst>
+          </p:cNvPr>
+          <p:cNvSpPr/>
+          <p:nvPr/>
+        </p:nvSpPr>
+        <p:spPr>
+          <a:xfrm>
+            <a:off x="10774321" y="4738564"/>
+            <a:ext cx="1240467" cy="1569660"/>
+          </a:xfrm>
+          <a:prstGeom prst="rect">
+            <a:avLst/>
+          </a:prstGeom>
+        </p:spPr>
+        <p:txBody>
+          <a:bodyPr wrap="square">
+            <a:spAutoFit/>
+          </a:bodyPr>
+          <a:lstStyle/>
+          <a:p>
+            <a:r>
+              <a:rPr lang="nb-NO" sz="2400" dirty="0">
+                <a:latin typeface="Helvetica-Light"/>
+              </a:rPr>
+              <a:t>   1     </a:t>
+            </a:r>
+          </a:p>
+          <a:p>
+            <a:r>
+              <a:rPr lang="nb-NO" sz="2400" dirty="0">
+                <a:latin typeface="Helvetica-Light"/>
+              </a:rPr>
+              <a:t>   0111</a:t>
+            </a:r>
+          </a:p>
+          <a:p>
+            <a:r>
+              <a:rPr lang="nb-NO" sz="2400" dirty="0">
+                <a:latin typeface="Helvetica-Light"/>
+              </a:rPr>
+              <a:t>+ </a:t>
+            </a:r>
+            <a:r>
+              <a:rPr lang="nb-NO" sz="2400" u="sng" dirty="0">
+                <a:latin typeface="Helvetica-Light"/>
+              </a:rPr>
+              <a:t>0110</a:t>
+            </a:r>
+          </a:p>
+          <a:p>
+            <a:r>
+              <a:rPr lang="nb-NO" sz="2400" dirty="0">
+                <a:latin typeface="Helvetica-Light"/>
+              </a:rPr>
+              <a:t>   1101</a:t>
+            </a:r>
+            <a:endParaRPr lang="nb-NO" sz="2400" dirty="0"/>
+          </a:p>
+        </p:txBody>
+      </p:sp>
+      <p:sp>
+        <p:nvSpPr>
+          <p:cNvPr id="8" name="Rektangel 7">
+            <a:extLst>
+              <a:ext uri="{FF2B5EF4-FFF2-40B4-BE49-F238E27FC236}">
+                <a16:creationId xmlns:a16="http://schemas.microsoft.com/office/drawing/2014/main" id="{21F93705-A052-4020-9C0D-1803FBE4DD7C}"/>
+              </a:ext>
+            </a:extLst>
+          </p:cNvPr>
+          <p:cNvSpPr/>
+          <p:nvPr/>
+        </p:nvSpPr>
+        <p:spPr>
+          <a:xfrm>
+            <a:off x="5081684" y="4738564"/>
+            <a:ext cx="1133674" cy="1569660"/>
+          </a:xfrm>
+          <a:prstGeom prst="rect">
+            <a:avLst/>
+          </a:prstGeom>
+        </p:spPr>
+        <p:txBody>
+          <a:bodyPr wrap="square">
+            <a:spAutoFit/>
+          </a:bodyPr>
+          <a:lstStyle/>
+          <a:p>
+            <a:r>
+              <a:rPr lang="nb-NO" sz="2400" dirty="0">
+                <a:latin typeface="Helvetica-Light"/>
+              </a:rPr>
+              <a:t>     1    </a:t>
+            </a:r>
+          </a:p>
+          <a:p>
+            <a:r>
+              <a:rPr lang="nb-NO" sz="2400" dirty="0">
+                <a:latin typeface="Helvetica-Light"/>
+              </a:rPr>
+              <a:t>   0111</a:t>
+            </a:r>
+          </a:p>
+          <a:p>
+            <a:r>
+              <a:rPr lang="nb-NO" sz="2400" dirty="0">
+                <a:latin typeface="Helvetica-Light"/>
+              </a:rPr>
+              <a:t>+ </a:t>
+            </a:r>
+            <a:r>
+              <a:rPr lang="nb-NO" sz="2400" u="sng" dirty="0">
+                <a:latin typeface="Helvetica-Light"/>
+              </a:rPr>
+              <a:t>0110</a:t>
+            </a:r>
+          </a:p>
+          <a:p>
+            <a:r>
+              <a:rPr lang="nb-NO" sz="2400" dirty="0">
+                <a:latin typeface="Helvetica-Light"/>
+              </a:rPr>
+              <a:t>       01</a:t>
+            </a:r>
+          </a:p>
+        </p:txBody>
+      </p:sp>
+      <p:sp>
+        <p:nvSpPr>
+          <p:cNvPr id="9" name="Rektangel 8">
+            <a:extLst>
+              <a:ext uri="{FF2B5EF4-FFF2-40B4-BE49-F238E27FC236}">
+                <a16:creationId xmlns:a16="http://schemas.microsoft.com/office/drawing/2014/main" id="{A54184D4-A4D3-4F9F-88EE-946153A99102}"/>
+              </a:ext>
+            </a:extLst>
+          </p:cNvPr>
+          <p:cNvSpPr/>
+          <p:nvPr/>
+        </p:nvSpPr>
+        <p:spPr>
+          <a:xfrm>
+            <a:off x="7908848" y="4738564"/>
+            <a:ext cx="1181101" cy="1569660"/>
+          </a:xfrm>
+          <a:prstGeom prst="rect">
+            <a:avLst/>
+          </a:prstGeom>
+        </p:spPr>
+        <p:txBody>
+          <a:bodyPr wrap="square">
+            <a:spAutoFit/>
+          </a:bodyPr>
+          <a:lstStyle/>
+          <a:p>
+            <a:r>
+              <a:rPr lang="nb-NO" sz="2400" dirty="0">
+                <a:latin typeface="Helvetica-Light"/>
+              </a:rPr>
+              <a:t>   1     </a:t>
+            </a:r>
+          </a:p>
+          <a:p>
+            <a:r>
+              <a:rPr lang="nb-NO" sz="2400" dirty="0">
+                <a:latin typeface="Helvetica-Light"/>
+              </a:rPr>
+              <a:t>   0111</a:t>
+            </a:r>
+          </a:p>
+          <a:p>
+            <a:r>
+              <a:rPr lang="nb-NO" sz="2400" dirty="0">
+                <a:latin typeface="Helvetica-Light"/>
+              </a:rPr>
+              <a:t>+ </a:t>
+            </a:r>
+            <a:r>
+              <a:rPr lang="nb-NO" sz="2400" u="sng" dirty="0">
+                <a:latin typeface="Helvetica-Light"/>
+              </a:rPr>
+              <a:t>0110</a:t>
+            </a:r>
+          </a:p>
+          <a:p>
+            <a:r>
+              <a:rPr lang="nb-NO" sz="2400" dirty="0">
+                <a:latin typeface="Helvetica-Light"/>
+              </a:rPr>
+              <a:t>     101</a:t>
+            </a:r>
+            <a:endParaRPr lang="nb-NO" sz="2400" dirty="0"/>
+          </a:p>
+        </p:txBody>
+      </p:sp>
+      <p:sp>
+        <p:nvSpPr>
+          <p:cNvPr id="10" name="Rektangel 9">
+            <a:extLst>
+              <a:ext uri="{FF2B5EF4-FFF2-40B4-BE49-F238E27FC236}">
+                <a16:creationId xmlns:a16="http://schemas.microsoft.com/office/drawing/2014/main" id="{0E772373-6961-41DB-9A87-6FCBC57AB04C}"/>
+              </a:ext>
+            </a:extLst>
+          </p:cNvPr>
+          <p:cNvSpPr/>
+          <p:nvPr/>
+        </p:nvSpPr>
+        <p:spPr>
+          <a:xfrm>
+            <a:off x="2690250" y="5107895"/>
+            <a:ext cx="1132368" cy="1200329"/>
+          </a:xfrm>
+          <a:prstGeom prst="rect">
+            <a:avLst/>
+          </a:prstGeom>
+        </p:spPr>
+        <p:txBody>
+          <a:bodyPr wrap="square">
+            <a:spAutoFit/>
+          </a:bodyPr>
+          <a:lstStyle/>
+          <a:p>
+            <a:r>
+              <a:rPr lang="nb-NO" sz="2400" dirty="0">
+                <a:latin typeface="Helvetica-Light"/>
+              </a:rPr>
+              <a:t>   0111</a:t>
+            </a:r>
+          </a:p>
+          <a:p>
+            <a:r>
+              <a:rPr lang="nb-NO" sz="2400" dirty="0">
+                <a:latin typeface="Helvetica-Light"/>
+              </a:rPr>
+              <a:t>+ </a:t>
+            </a:r>
+            <a:r>
+              <a:rPr lang="nb-NO" sz="2400" u="sng" dirty="0">
+                <a:latin typeface="Helvetica-Light"/>
+              </a:rPr>
+              <a:t>0110</a:t>
+            </a:r>
+          </a:p>
+          <a:p>
+            <a:r>
+              <a:rPr lang="nb-NO" sz="2400" dirty="0">
+                <a:latin typeface="Helvetica-Light"/>
+              </a:rPr>
+              <a:t>         1</a:t>
+            </a:r>
+          </a:p>
+        </p:txBody>
+      </p:sp>
+      <p:sp>
+        <p:nvSpPr>
+          <p:cNvPr id="11" name="Pil: høyre 10">
+            <a:extLst>
+              <a:ext uri="{FF2B5EF4-FFF2-40B4-BE49-F238E27FC236}">
+                <a16:creationId xmlns:a16="http://schemas.microsoft.com/office/drawing/2014/main" id="{2C09CBEB-973B-41CF-9286-27AA4CD5F1ED}"/>
+              </a:ext>
+            </a:extLst>
+          </p:cNvPr>
+          <p:cNvSpPr/>
+          <p:nvPr/>
+        </p:nvSpPr>
+        <p:spPr>
+          <a:xfrm>
+            <a:off x="1580039" y="5465135"/>
+            <a:ext cx="801654" cy="361507"/>
+          </a:xfrm>
+          <a:prstGeom prst="rightArrow">
+            <a:avLst/>
+          </a:prstGeom>
+        </p:spPr>
+        <p:style>
+          <a:lnRef idx="2">
+            <a:schemeClr val="dk1">
+              <a:shade val="50000"/>
+            </a:schemeClr>
+          </a:lnRef>
+          <a:fillRef idx="1">
+            <a:schemeClr val="dk1"/>
+          </a:fillRef>
+          <a:effectRef idx="0">
+            <a:schemeClr val="dk1"/>
+          </a:effectRef>
+          <a:fontRef idx="minor">
+            <a:schemeClr val="lt1"/>
+          </a:fontRef>
+        </p:style>
+        <p:txBody>
+          <a:bodyPr rtlCol="0" anchor="ctr"/>
+          <a:lstStyle/>
+          <a:p>
+            <a:pPr algn="ctr"/>
+            <a:endParaRPr lang="nb-NO"/>
+          </a:p>
+        </p:txBody>
+      </p:sp>
+      <p:sp>
+        <p:nvSpPr>
+          <p:cNvPr id="12" name="Pil: høyre 11">
+            <a:extLst>
+              <a:ext uri="{FF2B5EF4-FFF2-40B4-BE49-F238E27FC236}">
+                <a16:creationId xmlns:a16="http://schemas.microsoft.com/office/drawing/2014/main" id="{06E4F12D-891B-4F18-AC22-A33C0632BA2D}"/>
+              </a:ext>
+            </a:extLst>
+          </p:cNvPr>
+          <p:cNvSpPr/>
+          <p:nvPr/>
+        </p:nvSpPr>
+        <p:spPr>
+          <a:xfrm>
+            <a:off x="6735185" y="5465132"/>
+            <a:ext cx="801654" cy="361507"/>
+          </a:xfrm>
+          <a:prstGeom prst="rightArrow">
+            <a:avLst/>
+          </a:prstGeom>
+        </p:spPr>
+        <p:style>
+          <a:lnRef idx="2">
+            <a:schemeClr val="dk1">
+              <a:shade val="50000"/>
+            </a:schemeClr>
+          </a:lnRef>
+          <a:fillRef idx="1">
+            <a:schemeClr val="dk1"/>
+          </a:fillRef>
+          <a:effectRef idx="0">
+            <a:schemeClr val="dk1"/>
+          </a:effectRef>
+          <a:fontRef idx="minor">
+            <a:schemeClr val="lt1"/>
+          </a:fontRef>
+        </p:style>
+        <p:txBody>
+          <a:bodyPr rtlCol="0" anchor="ctr"/>
+          <a:lstStyle/>
+          <a:p>
+            <a:pPr algn="ctr"/>
+            <a:endParaRPr lang="nb-NO"/>
+          </a:p>
+        </p:txBody>
+      </p:sp>
+      <p:sp>
+        <p:nvSpPr>
+          <p:cNvPr id="13" name="Pil: høyre 12">
+            <a:extLst>
+              <a:ext uri="{FF2B5EF4-FFF2-40B4-BE49-F238E27FC236}">
+                <a16:creationId xmlns:a16="http://schemas.microsoft.com/office/drawing/2014/main" id="{55FD756B-6CD3-40FE-BB5D-A5DC9EC06116}"/>
+              </a:ext>
+            </a:extLst>
+          </p:cNvPr>
+          <p:cNvSpPr/>
+          <p:nvPr/>
+        </p:nvSpPr>
+        <p:spPr>
+          <a:xfrm>
+            <a:off x="4037259" y="5465134"/>
+            <a:ext cx="801654" cy="361507"/>
+          </a:xfrm>
+          <a:prstGeom prst="rightArrow">
+            <a:avLst/>
+          </a:prstGeom>
+        </p:spPr>
+        <p:style>
+          <a:lnRef idx="2">
+            <a:schemeClr val="dk1">
+              <a:shade val="50000"/>
+            </a:schemeClr>
+          </a:lnRef>
+          <a:fillRef idx="1">
+            <a:schemeClr val="dk1"/>
+          </a:fillRef>
+          <a:effectRef idx="0">
+            <a:schemeClr val="dk1"/>
+          </a:effectRef>
+          <a:fontRef idx="minor">
+            <a:schemeClr val="lt1"/>
+          </a:fontRef>
+        </p:style>
+        <p:txBody>
+          <a:bodyPr rtlCol="0" anchor="ctr"/>
+          <a:lstStyle/>
+          <a:p>
+            <a:pPr algn="ctr"/>
+            <a:endParaRPr lang="nb-NO"/>
+          </a:p>
+        </p:txBody>
+      </p:sp>
+      <p:sp>
+        <p:nvSpPr>
+          <p:cNvPr id="14" name="Pil: høyre 13">
+            <a:extLst>
+              <a:ext uri="{FF2B5EF4-FFF2-40B4-BE49-F238E27FC236}">
+                <a16:creationId xmlns:a16="http://schemas.microsoft.com/office/drawing/2014/main" id="{A95A8A7A-87A7-44E8-8753-BB61B4CD8637}"/>
+              </a:ext>
+            </a:extLst>
+          </p:cNvPr>
+          <p:cNvSpPr/>
+          <p:nvPr/>
+        </p:nvSpPr>
+        <p:spPr>
+          <a:xfrm>
+            <a:off x="9531308" y="5465133"/>
+            <a:ext cx="801654" cy="361507"/>
+          </a:xfrm>
+          <a:prstGeom prst="rightArrow">
+            <a:avLst/>
+          </a:prstGeom>
+        </p:spPr>
+        <p:style>
+          <a:lnRef idx="2">
+            <a:schemeClr val="dk1">
+              <a:shade val="50000"/>
+            </a:schemeClr>
+          </a:lnRef>
+          <a:fillRef idx="1">
+            <a:schemeClr val="dk1"/>
+          </a:fillRef>
+          <a:effectRef idx="0">
+            <a:schemeClr val="dk1"/>
+          </a:effectRef>
+          <a:fontRef idx="minor">
+            <a:schemeClr val="lt1"/>
+          </a:fontRef>
+        </p:style>
+        <p:txBody>
+          <a:bodyPr rtlCol="0" anchor="ctr"/>
+          <a:lstStyle/>
+          <a:p>
+            <a:pPr algn="ctr"/>
+            <a:endParaRPr lang="nb-NO"/>
+          </a:p>
+        </p:txBody>
+      </p:sp>
+    </p:spTree>
+    <p:extLst>
+      <p:ext uri="{BB962C8B-B14F-4D97-AF65-F5344CB8AC3E}">
+        <p14:creationId xmlns:p14="http://schemas.microsoft.com/office/powerpoint/2010/main" val="563856036"/>
+      </p:ext>
+    </p:extLst>
+  </p:cSld>
+  <p:clrMapOvr>
+    <a:masterClrMapping/>
+  </p:clrMapOvr>
+</p:sld>
+</file>
+
+<file path=ppt/slides/slide43.xml><?xml version="1.0" encoding="utf-8"?>
+<p:sld xmlns:a="http://schemas.openxmlformats.org/drawingml/2006/main" xmlns:r="http://schemas.openxmlformats.org/officeDocument/2006/relationships" xmlns:p="http://schemas.openxmlformats.org/presentationml/2006/main">
+  <p:cSld>
+    <p:spTree>
+      <p:nvGrpSpPr>
+        <p:cNvPr id="1" name=""/>
+        <p:cNvGrpSpPr/>
+        <p:nvPr/>
+      </p:nvGrpSpPr>
+      <p:grpSpPr>
+        <a:xfrm>
+          <a:off x="0" y="0"/>
+          <a:ext cx="0" cy="0"/>
+          <a:chOff x="0" y="0"/>
+          <a:chExt cx="0" cy="0"/>
+        </a:xfrm>
+      </p:grpSpPr>
+      <p:sp>
+        <p:nvSpPr>
+          <p:cNvPr id="2" name="Tittel 1">
+            <a:extLst>
+              <a:ext uri="{FF2B5EF4-FFF2-40B4-BE49-F238E27FC236}">
+                <a16:creationId xmlns:a16="http://schemas.microsoft.com/office/drawing/2014/main" id="{4A5F5329-1580-4B77-A43B-61E06324521A}"/>
+              </a:ext>
+            </a:extLst>
+          </p:cNvPr>
+          <p:cNvSpPr>
+            <a:spLocks noGrp="1"/>
+          </p:cNvSpPr>
+          <p:nvPr>
+            <p:ph type="title"/>
+          </p:nvPr>
+        </p:nvSpPr>
+        <p:spPr/>
+        <p:txBody>
+          <a:bodyPr/>
+          <a:lstStyle/>
+          <a:p>
+            <a:r>
+              <a:rPr lang="nb-NO" dirty="0"/>
+              <a:t>Toerkomplement</a:t>
+            </a:r>
+          </a:p>
+        </p:txBody>
+      </p:sp>
+      <p:sp>
+        <p:nvSpPr>
+          <p:cNvPr id="3" name="Plassholder for innhold 2">
+            <a:extLst>
+              <a:ext uri="{FF2B5EF4-FFF2-40B4-BE49-F238E27FC236}">
+                <a16:creationId xmlns:a16="http://schemas.microsoft.com/office/drawing/2014/main" id="{C188FC6D-3E44-4D3C-A93D-4BDC4E8322F2}"/>
+              </a:ext>
+            </a:extLst>
+          </p:cNvPr>
+          <p:cNvSpPr>
+            <a:spLocks noGrp="1"/>
+          </p:cNvSpPr>
+          <p:nvPr>
+            <p:ph idx="1"/>
+          </p:nvPr>
+        </p:nvSpPr>
+        <p:spPr/>
+        <p:txBody>
+          <a:bodyPr/>
+          <a:lstStyle/>
+          <a:p>
+            <a:pPr>
+              <a:lnSpc>
+                <a:spcPct val="150000"/>
+              </a:lnSpc>
+            </a:pPr>
+            <a:r>
+              <a:rPr lang="nb-NO" dirty="0"/>
+              <a:t>Toerkomplement gjør det mulig å betegne verdier under null, altså negative verdier</a:t>
+            </a:r>
+          </a:p>
+          <a:p>
+            <a:pPr>
+              <a:lnSpc>
+                <a:spcPct val="150000"/>
+              </a:lnSpc>
+            </a:pPr>
+            <a:r>
+              <a:rPr lang="nb-NO" dirty="0"/>
+              <a:t>Dette styres av en </a:t>
+            </a:r>
+            <a:r>
+              <a:rPr lang="nb-NO" b="1" dirty="0"/>
+              <a:t>fortegnsbit</a:t>
+            </a:r>
+            <a:r>
+              <a:rPr lang="nb-NO" dirty="0"/>
+              <a:t>, som kun har oppgave å bestemme om tallet er negativt eller positivt</a:t>
+            </a:r>
+          </a:p>
+          <a:p>
+            <a:pPr>
+              <a:lnSpc>
+                <a:spcPct val="150000"/>
+              </a:lnSpc>
+            </a:pPr>
+            <a:r>
+              <a:rPr lang="nb-NO" dirty="0"/>
+              <a:t>Prosedyre</a:t>
+            </a:r>
+          </a:p>
+          <a:p>
+            <a:pPr lvl="1">
+              <a:lnSpc>
+                <a:spcPct val="150000"/>
+              </a:lnSpc>
+            </a:pPr>
+            <a:r>
+              <a:rPr lang="nb-NO" dirty="0"/>
+              <a:t>Først snu om på alle bits, </a:t>
+            </a:r>
+            <a:r>
+              <a:rPr lang="nb-NO" dirty="0" err="1"/>
+              <a:t>addér</a:t>
+            </a:r>
+            <a:r>
+              <a:rPr lang="nb-NO" dirty="0"/>
+              <a:t> så med 1</a:t>
+            </a:r>
+          </a:p>
+        </p:txBody>
+      </p:sp>
+    </p:spTree>
+    <p:extLst>
+      <p:ext uri="{BB962C8B-B14F-4D97-AF65-F5344CB8AC3E}">
+        <p14:creationId xmlns:p14="http://schemas.microsoft.com/office/powerpoint/2010/main" val="2469208319"/>
+      </p:ext>
+    </p:extLst>
+  </p:cSld>
+  <p:clrMapOvr>
+    <a:masterClrMapping/>
+  </p:clrMapOvr>
+</p:sld>
+</file>
+
+<file path=ppt/slides/slide44.xml><?xml version="1.0" encoding="utf-8"?>
+<p:sld xmlns:a="http://schemas.openxmlformats.org/drawingml/2006/main" xmlns:r="http://schemas.openxmlformats.org/officeDocument/2006/relationships" xmlns:p="http://schemas.openxmlformats.org/presentationml/2006/main">
+  <p:cSld>
+    <p:spTree>
+      <p:nvGrpSpPr>
+        <p:cNvPr id="1" name=""/>
+        <p:cNvGrpSpPr/>
+        <p:nvPr/>
+      </p:nvGrpSpPr>
+      <p:grpSpPr>
+        <a:xfrm>
+          <a:off x="0" y="0"/>
+          <a:ext cx="0" cy="0"/>
+          <a:chOff x="0" y="0"/>
+          <a:chExt cx="0" cy="0"/>
+        </a:xfrm>
+      </p:grpSpPr>
+      <p:sp>
+        <p:nvSpPr>
+          <p:cNvPr id="2" name="Tittel 1">
+            <a:extLst>
+              <a:ext uri="{FF2B5EF4-FFF2-40B4-BE49-F238E27FC236}">
+                <a16:creationId xmlns:a16="http://schemas.microsoft.com/office/drawing/2014/main" id="{2CB51FC9-7463-4B2C-B94D-32C8D0DD8900}"/>
+              </a:ext>
+            </a:extLst>
+          </p:cNvPr>
+          <p:cNvSpPr>
+            <a:spLocks noGrp="1"/>
+          </p:cNvSpPr>
+          <p:nvPr>
+            <p:ph type="title"/>
+          </p:nvPr>
+        </p:nvSpPr>
+        <p:spPr/>
+        <p:txBody>
+          <a:bodyPr/>
+          <a:lstStyle/>
+          <a:p>
+            <a:r>
+              <a:rPr lang="nb-NO" dirty="0"/>
+              <a:t>Eks.</a:t>
+            </a:r>
+          </a:p>
+        </p:txBody>
+      </p:sp>
+      <p:sp>
+        <p:nvSpPr>
+          <p:cNvPr id="3" name="Plassholder for innhold 2">
+            <a:extLst>
+              <a:ext uri="{FF2B5EF4-FFF2-40B4-BE49-F238E27FC236}">
+                <a16:creationId xmlns:a16="http://schemas.microsoft.com/office/drawing/2014/main" id="{3CAE6324-3ADF-4C50-A114-711A383684DA}"/>
+              </a:ext>
+            </a:extLst>
+          </p:cNvPr>
+          <p:cNvSpPr>
+            <a:spLocks noGrp="1"/>
+          </p:cNvSpPr>
+          <p:nvPr>
+            <p:ph idx="1"/>
+          </p:nvPr>
+        </p:nvSpPr>
+        <p:spPr>
+          <a:xfrm>
+            <a:off x="838199" y="1864328"/>
+            <a:ext cx="4052777" cy="811249"/>
+          </a:xfrm>
+        </p:spPr>
+        <p:txBody>
+          <a:bodyPr>
+            <a:normAutofit/>
+          </a:bodyPr>
+          <a:lstStyle/>
+          <a:p>
+            <a:pPr marL="0" indent="0">
+              <a:buNone/>
+            </a:pPr>
+            <a:r>
+              <a:rPr lang="nb-NO" dirty="0"/>
+              <a:t>Fra 5 til -5 (med 8 biter)</a:t>
+            </a:r>
+          </a:p>
+        </p:txBody>
+      </p:sp>
+      <mc:AlternateContent xmlns:mc="http://schemas.openxmlformats.org/markup-compatibility/2006" xmlns:a14="http://schemas.microsoft.com/office/drawing/2010/main">
+        <mc:Choice Requires="a14">
+          <p:sp>
+            <p:nvSpPr>
+              <p:cNvPr id="4" name="Rektangel 3">
+                <a:extLst>
+                  <a:ext uri="{FF2B5EF4-FFF2-40B4-BE49-F238E27FC236}">
+                    <a16:creationId xmlns:a16="http://schemas.microsoft.com/office/drawing/2014/main" id="{ED927EC8-F2DC-4FB7-9D50-FA3016637236}"/>
+                  </a:ext>
+                </a:extLst>
+              </p:cNvPr>
+              <p:cNvSpPr/>
+              <p:nvPr/>
+            </p:nvSpPr>
+            <p:spPr>
+              <a:xfrm>
+                <a:off x="838200" y="2955322"/>
+                <a:ext cx="6096000" cy="461665"/>
+              </a:xfrm>
+              <a:prstGeom prst="rect">
+                <a:avLst/>
+              </a:prstGeom>
+            </p:spPr>
+            <p:txBody>
+              <a:bodyPr>
+                <a:spAutoFit/>
+              </a:bodyPr>
+              <a:lstStyle/>
+              <a:p>
+                <a:r>
+                  <a:rPr lang="nb-NO" sz="2400" dirty="0">
+                    <a:latin typeface="Helvetica-Light"/>
+                  </a:rPr>
+                  <a:t>5 = 2 + 2 + 1 = </a:t>
+                </a:r>
+                <a14:m>
+                  <m:oMath xmlns:m="http://schemas.openxmlformats.org/officeDocument/2006/math">
+                    <m:sSup>
+                      <m:sSupPr>
+                        <m:ctrlPr>
+                          <a:rPr lang="nb-NO" sz="2400" b="0" i="1" smtClean="0">
+                            <a:latin typeface="Cambria Math" panose="02040503050406030204" pitchFamily="18" charset="0"/>
+                          </a:rPr>
+                        </m:ctrlPr>
+                      </m:sSupPr>
+                      <m:e>
+                        <m:r>
+                          <a:rPr lang="nb-NO" sz="2400" b="0" i="1" smtClean="0">
+                            <a:latin typeface="Cambria Math" panose="02040503050406030204" pitchFamily="18" charset="0"/>
+                          </a:rPr>
+                          <m:t>2</m:t>
+                        </m:r>
+                      </m:e>
+                      <m:sup>
+                        <m:r>
+                          <a:rPr lang="nb-NO" sz="2400" b="0" i="1" smtClean="0">
+                            <a:latin typeface="Cambria Math" panose="02040503050406030204" pitchFamily="18" charset="0"/>
+                          </a:rPr>
+                          <m:t>2</m:t>
+                        </m:r>
+                      </m:sup>
+                    </m:sSup>
+                    <m:r>
+                      <a:rPr lang="nb-NO" sz="2400" b="0" i="0" smtClean="0">
+                        <a:latin typeface="Cambria Math" panose="02040503050406030204" pitchFamily="18" charset="0"/>
+                      </a:rPr>
+                      <m:t>+</m:t>
+                    </m:r>
+                    <m:sSup>
+                      <m:sSupPr>
+                        <m:ctrlPr>
+                          <a:rPr lang="nb-NO" sz="2400" b="0" i="1" smtClean="0">
+                            <a:latin typeface="Cambria Math" panose="02040503050406030204" pitchFamily="18" charset="0"/>
+                          </a:rPr>
+                        </m:ctrlPr>
+                      </m:sSupPr>
+                      <m:e>
+                        <m:r>
+                          <a:rPr lang="nb-NO" sz="2400" b="0" i="0" smtClean="0">
+                            <a:latin typeface="Cambria Math" panose="02040503050406030204" pitchFamily="18" charset="0"/>
+                          </a:rPr>
+                          <m:t>2</m:t>
+                        </m:r>
+                      </m:e>
+                      <m:sup>
+                        <m:r>
+                          <a:rPr lang="nb-NO" sz="2400" b="0" i="0" smtClean="0">
+                            <a:latin typeface="Cambria Math" panose="02040503050406030204" pitchFamily="18" charset="0"/>
+                          </a:rPr>
+                          <m:t>0</m:t>
+                        </m:r>
+                      </m:sup>
+                    </m:sSup>
+                  </m:oMath>
+                </a14:m>
+                <a:r>
+                  <a:rPr lang="nb-NO" sz="2400" dirty="0">
+                    <a:latin typeface="Helvetica-Light"/>
+                  </a:rPr>
+                  <a:t> -&gt; 00000101</a:t>
+                </a:r>
+              </a:p>
+            </p:txBody>
+          </p:sp>
+        </mc:Choice>
+        <mc:Fallback xmlns="">
+          <p:sp>
+            <p:nvSpPr>
+              <p:cNvPr id="4" name="Rektangel 3">
+                <a:extLst>
+                  <a:ext uri="{FF2B5EF4-FFF2-40B4-BE49-F238E27FC236}">
+                    <a16:creationId xmlns:a16="http://schemas.microsoft.com/office/drawing/2014/main" id="{ED927EC8-F2DC-4FB7-9D50-FA3016637236}"/>
+                  </a:ext>
+                </a:extLst>
+              </p:cNvPr>
+              <p:cNvSpPr>
+                <a:spLocks noRot="1" noChangeAspect="1" noMove="1" noResize="1" noEditPoints="1" noAdjustHandles="1" noChangeArrowheads="1" noChangeShapeType="1" noTextEdit="1"/>
+              </p:cNvSpPr>
+              <p:nvPr/>
+            </p:nvSpPr>
+            <p:spPr>
+              <a:xfrm>
+                <a:off x="838200" y="2955322"/>
+                <a:ext cx="6096000" cy="461665"/>
+              </a:xfrm>
+              <a:prstGeom prst="rect">
+                <a:avLst/>
+              </a:prstGeom>
+              <a:blipFill>
+                <a:blip r:embed="rId2"/>
+                <a:stretch>
+                  <a:fillRect l="-1600" t="-9211" b="-30263"/>
+                </a:stretch>
+              </a:blipFill>
+            </p:spPr>
+            <p:txBody>
+              <a:bodyPr/>
+              <a:lstStyle/>
+              <a:p>
+                <a:r>
+                  <a:rPr lang="nb-NO">
+                    <a:noFill/>
+                  </a:rPr>
+                  <a:t> </a:t>
+                </a:r>
+              </a:p>
+            </p:txBody>
+          </p:sp>
+        </mc:Fallback>
+      </mc:AlternateContent>
+      <p:sp>
+        <p:nvSpPr>
+          <p:cNvPr id="6" name="Rektangel 5">
+            <a:extLst>
+              <a:ext uri="{FF2B5EF4-FFF2-40B4-BE49-F238E27FC236}">
+                <a16:creationId xmlns:a16="http://schemas.microsoft.com/office/drawing/2014/main" id="{03B5CF98-DDF4-4C7B-830A-EF85028B8F0B}"/>
+              </a:ext>
+            </a:extLst>
+          </p:cNvPr>
+          <p:cNvSpPr/>
+          <p:nvPr/>
+        </p:nvSpPr>
+        <p:spPr>
+          <a:xfrm>
+            <a:off x="832583" y="3901508"/>
+            <a:ext cx="4416658" cy="461665"/>
+          </a:xfrm>
+          <a:prstGeom prst="rect">
+            <a:avLst/>
+          </a:prstGeom>
+        </p:spPr>
+        <p:txBody>
+          <a:bodyPr wrap="none">
+            <a:spAutoFit/>
+          </a:bodyPr>
+          <a:lstStyle/>
+          <a:p>
+            <a:r>
+              <a:rPr lang="nb-NO" sz="2400" dirty="0">
+                <a:latin typeface="Helvetica-Light"/>
+              </a:rPr>
+              <a:t>Snur om alle biter -&gt;  11111010</a:t>
+            </a:r>
+          </a:p>
+        </p:txBody>
+      </p:sp>
+      <p:sp>
+        <p:nvSpPr>
+          <p:cNvPr id="7" name="Rektangel 6">
+            <a:extLst>
+              <a:ext uri="{FF2B5EF4-FFF2-40B4-BE49-F238E27FC236}">
+                <a16:creationId xmlns:a16="http://schemas.microsoft.com/office/drawing/2014/main" id="{5EDDFB0A-07C7-4628-B28E-159FC5E197F5}"/>
+              </a:ext>
+            </a:extLst>
+          </p:cNvPr>
+          <p:cNvSpPr/>
+          <p:nvPr/>
+        </p:nvSpPr>
+        <p:spPr>
+          <a:xfrm>
+            <a:off x="832583" y="4868207"/>
+            <a:ext cx="2392001" cy="461665"/>
+          </a:xfrm>
+          <a:prstGeom prst="rect">
+            <a:avLst/>
+          </a:prstGeom>
+        </p:spPr>
+        <p:txBody>
+          <a:bodyPr wrap="none">
+            <a:spAutoFit/>
+          </a:bodyPr>
+          <a:lstStyle/>
+          <a:p>
+            <a:r>
+              <a:rPr lang="nb-NO" sz="2400" dirty="0">
+                <a:latin typeface="Helvetica-Light"/>
+              </a:rPr>
+              <a:t>Adderer med 1: </a:t>
+            </a:r>
+          </a:p>
+        </p:txBody>
+      </p:sp>
+      <p:sp>
+        <p:nvSpPr>
+          <p:cNvPr id="8" name="Rektangel 7">
+            <a:extLst>
+              <a:ext uri="{FF2B5EF4-FFF2-40B4-BE49-F238E27FC236}">
+                <a16:creationId xmlns:a16="http://schemas.microsoft.com/office/drawing/2014/main" id="{65C21E33-3540-4157-86FE-FCF23C0AA2D5}"/>
+              </a:ext>
+            </a:extLst>
+          </p:cNvPr>
+          <p:cNvSpPr/>
+          <p:nvPr/>
+        </p:nvSpPr>
+        <p:spPr>
+          <a:xfrm>
+            <a:off x="3481361" y="4868207"/>
+            <a:ext cx="1810111" cy="1200329"/>
+          </a:xfrm>
+          <a:prstGeom prst="rect">
+            <a:avLst/>
+          </a:prstGeom>
+        </p:spPr>
+        <p:txBody>
+          <a:bodyPr wrap="none">
+            <a:spAutoFit/>
+          </a:bodyPr>
+          <a:lstStyle/>
+          <a:p>
+            <a:r>
+              <a:rPr lang="nb-NO" sz="2400" dirty="0">
+                <a:latin typeface="Helvetica-Light"/>
+              </a:rPr>
+              <a:t>    11111010</a:t>
+            </a:r>
+          </a:p>
+          <a:p>
+            <a:r>
+              <a:rPr lang="nb-NO" sz="2400" dirty="0">
+                <a:latin typeface="Helvetica-Light"/>
+              </a:rPr>
+              <a:t>+  </a:t>
+            </a:r>
+            <a:r>
+              <a:rPr lang="nb-NO" sz="2400" u="sng" dirty="0">
+                <a:latin typeface="Helvetica-Light"/>
+              </a:rPr>
+              <a:t>             1</a:t>
+            </a:r>
+          </a:p>
+          <a:p>
+            <a:r>
+              <a:rPr lang="nb-NO" sz="2400" dirty="0">
+                <a:latin typeface="Helvetica-Light"/>
+              </a:rPr>
+              <a:t>=  11111011</a:t>
+            </a:r>
+          </a:p>
+        </p:txBody>
+      </p:sp>
+    </p:spTree>
+    <p:extLst>
+      <p:ext uri="{BB962C8B-B14F-4D97-AF65-F5344CB8AC3E}">
+        <p14:creationId xmlns:p14="http://schemas.microsoft.com/office/powerpoint/2010/main" val="308669586"/>
+      </p:ext>
+    </p:extLst>
+  </p:cSld>
+  <p:clrMapOvr>
+    <a:masterClrMapping/>
+  </p:clrMapOvr>
+</p:sld>
+</file>
+
+<file path=ppt/slides/slide45.xml><?xml version="1.0" encoding="utf-8"?>
+<p:sld xmlns:a="http://schemas.openxmlformats.org/drawingml/2006/main" xmlns:r="http://schemas.openxmlformats.org/officeDocument/2006/relationships" xmlns:p="http://schemas.openxmlformats.org/presentationml/2006/main">
+  <p:cSld>
+    <p:spTree>
+      <p:nvGrpSpPr>
+        <p:cNvPr id="1" name=""/>
+        <p:cNvGrpSpPr/>
+        <p:nvPr/>
+      </p:nvGrpSpPr>
+      <p:grpSpPr>
+        <a:xfrm>
+          <a:off x="0" y="0"/>
+          <a:ext cx="0" cy="0"/>
+          <a:chOff x="0" y="0"/>
+          <a:chExt cx="0" cy="0"/>
+        </a:xfrm>
+      </p:grpSpPr>
+      <p:sp>
+        <p:nvSpPr>
+          <p:cNvPr id="2" name="Tittel 1">
+            <a:extLst>
+              <a:ext uri="{FF2B5EF4-FFF2-40B4-BE49-F238E27FC236}">
+                <a16:creationId xmlns:a16="http://schemas.microsoft.com/office/drawing/2014/main" id="{A1C3847F-102E-495C-80DE-82FCC363B22A}"/>
+              </a:ext>
+            </a:extLst>
+          </p:cNvPr>
+          <p:cNvSpPr>
+            <a:spLocks noGrp="1"/>
+          </p:cNvSpPr>
+          <p:nvPr>
+            <p:ph type="title"/>
+          </p:nvPr>
+        </p:nvSpPr>
+        <p:spPr/>
+        <p:txBody>
+          <a:bodyPr/>
+          <a:lstStyle/>
+          <a:p>
+            <a:r>
+              <a:rPr lang="nb-NO" dirty="0"/>
+              <a:t>Hva binærtallene brukes til</a:t>
+            </a:r>
+          </a:p>
+        </p:txBody>
+      </p:sp>
+      <p:sp>
+        <p:nvSpPr>
+          <p:cNvPr id="3" name="Plassholder for innhold 2">
+            <a:extLst>
+              <a:ext uri="{FF2B5EF4-FFF2-40B4-BE49-F238E27FC236}">
+                <a16:creationId xmlns:a16="http://schemas.microsoft.com/office/drawing/2014/main" id="{0FEBA4D9-E5B0-4981-86C9-2F4EB623CC6D}"/>
+              </a:ext>
+            </a:extLst>
+          </p:cNvPr>
+          <p:cNvSpPr>
+            <a:spLocks noGrp="1"/>
+          </p:cNvSpPr>
+          <p:nvPr>
+            <p:ph idx="1"/>
+          </p:nvPr>
+        </p:nvSpPr>
+        <p:spPr>
+          <a:xfrm>
+            <a:off x="838200" y="1825625"/>
+            <a:ext cx="7178749" cy="4351338"/>
+          </a:xfrm>
+        </p:spPr>
+        <p:txBody>
+          <a:bodyPr/>
+          <a:lstStyle/>
+          <a:p>
+            <a:pPr>
+              <a:lnSpc>
+                <a:spcPct val="150000"/>
+              </a:lnSpc>
+            </a:pPr>
+            <a:r>
+              <a:rPr lang="nb-NO" dirty="0"/>
+              <a:t>Binærtall, altså rekker med 1ere og 0ere i en sekvens, representerer alle filer på datamaskinen</a:t>
+            </a:r>
+          </a:p>
+          <a:p>
+            <a:pPr lvl="1">
+              <a:lnSpc>
+                <a:spcPct val="150000"/>
+              </a:lnSpc>
+            </a:pPr>
+            <a:r>
+              <a:rPr lang="nb-NO" dirty="0"/>
+              <a:t>F.eks. bilder, dokumenter, kalenderoppføringer</a:t>
+            </a:r>
+          </a:p>
+          <a:p>
+            <a:pPr>
+              <a:lnSpc>
+                <a:spcPct val="150000"/>
+              </a:lnSpc>
+            </a:pPr>
+            <a:r>
+              <a:rPr lang="nb-NO" dirty="0"/>
+              <a:t>Representerer også instruksjoner og kommandoer</a:t>
+            </a:r>
+          </a:p>
+        </p:txBody>
+      </p:sp>
+      <p:pic>
+        <p:nvPicPr>
+          <p:cNvPr id="4" name="Bilde 3">
+            <a:extLst>
+              <a:ext uri="{FF2B5EF4-FFF2-40B4-BE49-F238E27FC236}">
+                <a16:creationId xmlns:a16="http://schemas.microsoft.com/office/drawing/2014/main" id="{E7BA77E5-5445-44D2-B790-86DAB7582BF3}"/>
+              </a:ext>
+            </a:extLst>
+          </p:cNvPr>
+          <p:cNvPicPr>
+            <a:picLocks noChangeAspect="1"/>
+          </p:cNvPicPr>
+          <p:nvPr/>
+        </p:nvPicPr>
+        <p:blipFill>
+          <a:blip r:embed="rId2"/>
+          <a:stretch>
+            <a:fillRect/>
+          </a:stretch>
+        </p:blipFill>
+        <p:spPr>
+          <a:xfrm>
+            <a:off x="8016949" y="938963"/>
+            <a:ext cx="3673265" cy="5238000"/>
+          </a:xfrm>
+          <a:prstGeom prst="rect">
+            <a:avLst/>
+          </a:prstGeom>
+        </p:spPr>
+      </p:pic>
+      <p:sp>
+        <p:nvSpPr>
+          <p:cNvPr id="5" name="Ellipse 4">
+            <a:extLst>
+              <a:ext uri="{FF2B5EF4-FFF2-40B4-BE49-F238E27FC236}">
+                <a16:creationId xmlns:a16="http://schemas.microsoft.com/office/drawing/2014/main" id="{912DEF02-D3CB-458D-A484-33664C916186}"/>
+              </a:ext>
+            </a:extLst>
+          </p:cNvPr>
+          <p:cNvSpPr/>
+          <p:nvPr/>
+        </p:nvSpPr>
+        <p:spPr>
+          <a:xfrm>
+            <a:off x="9365000" y="4183323"/>
+            <a:ext cx="1033641" cy="558795"/>
+          </a:xfrm>
+          <a:prstGeom prst="ellipse">
+            <a:avLst/>
+          </a:prstGeom>
+          <a:noFill/>
+          <a:ln w="38100">
+            <a:solidFill>
+              <a:srgbClr val="FF0000"/>
+            </a:solidFill>
+          </a:ln>
+        </p:spPr>
+        <p:style>
+          <a:lnRef idx="2">
+            <a:schemeClr val="accent1">
+              <a:shade val="50000"/>
+            </a:schemeClr>
+          </a:lnRef>
+          <a:fillRef idx="1">
+            <a:schemeClr val="accent1"/>
+          </a:fillRef>
+          <a:effectRef idx="0">
+            <a:schemeClr val="accent1"/>
+          </a:effectRef>
+          <a:fontRef idx="minor">
+            <a:schemeClr val="lt1"/>
+          </a:fontRef>
+        </p:style>
+        <p:txBody>
+          <a:bodyPr rtlCol="0" anchor="ctr"/>
+          <a:lstStyle/>
+          <a:p>
+            <a:pPr algn="ctr"/>
+            <a:endParaRPr lang="nb-NO" sz="2400" dirty="0"/>
+          </a:p>
+        </p:txBody>
+      </p:sp>
+    </p:spTree>
+    <p:extLst>
+      <p:ext uri="{BB962C8B-B14F-4D97-AF65-F5344CB8AC3E}">
+        <p14:creationId xmlns:p14="http://schemas.microsoft.com/office/powerpoint/2010/main" val="3657821615"/>
+      </p:ext>
+    </p:extLst>
+  </p:cSld>
+  <p:clrMapOvr>
+    <a:masterClrMapping/>
+  </p:clrMapOvr>
+</p:sld>
+</file>
+
+<file path=ppt/slides/slide46.xml><?xml version="1.0" encoding="utf-8"?>
+<p:sld xmlns:a="http://schemas.openxmlformats.org/drawingml/2006/main" xmlns:r="http://schemas.openxmlformats.org/officeDocument/2006/relationships" xmlns:p="http://schemas.openxmlformats.org/presentationml/2006/main">
+  <p:cSld>
+    <p:spTree>
+      <p:nvGrpSpPr>
+        <p:cNvPr id="1" name=""/>
+        <p:cNvGrpSpPr/>
+        <p:nvPr/>
+      </p:nvGrpSpPr>
+      <p:grpSpPr>
+        <a:xfrm>
+          <a:off x="0" y="0"/>
+          <a:ext cx="0" cy="0"/>
+          <a:chOff x="0" y="0"/>
+          <a:chExt cx="0" cy="0"/>
+        </a:xfrm>
+      </p:grpSpPr>
+      <p:sp>
+        <p:nvSpPr>
+          <p:cNvPr id="2" name="Tittel 1">
+            <a:extLst>
+              <a:ext uri="{FF2B5EF4-FFF2-40B4-BE49-F238E27FC236}">
+                <a16:creationId xmlns:a16="http://schemas.microsoft.com/office/drawing/2014/main" id="{4E71E242-8F28-4524-9540-4EFB8AB6DF5F}"/>
+              </a:ext>
+            </a:extLst>
+          </p:cNvPr>
+          <p:cNvSpPr>
+            <a:spLocks noGrp="1"/>
+          </p:cNvSpPr>
+          <p:nvPr>
+            <p:ph type="title"/>
+          </p:nvPr>
+        </p:nvSpPr>
+        <p:spPr>
+          <a:xfrm>
+            <a:off x="901995" y="2746818"/>
+            <a:ext cx="10515600" cy="1325563"/>
+          </a:xfrm>
+        </p:spPr>
+        <p:txBody>
+          <a:bodyPr/>
+          <a:lstStyle/>
+          <a:p>
+            <a:pPr algn="ctr"/>
+            <a:r>
+              <a:rPr lang="nb-NO" b="1" dirty="0"/>
+              <a:t>Oppgaver</a:t>
+            </a:r>
+          </a:p>
+        </p:txBody>
+      </p:sp>
+    </p:spTree>
+    <p:extLst>
+      <p:ext uri="{BB962C8B-B14F-4D97-AF65-F5344CB8AC3E}">
+        <p14:creationId xmlns:p14="http://schemas.microsoft.com/office/powerpoint/2010/main" val="1603250684"/>
+      </p:ext>
+    </p:extLst>
+  </p:cSld>
+  <p:clrMapOvr>
+    <a:masterClrMapping/>
+  </p:clrMapOvr>
+</p:sld>
+</file>
+
 <file path=ppt/slides/slide5.xml><?xml version="1.0" encoding="utf-8"?>
 <p:sld xmlns:a="http://schemas.openxmlformats.org/drawingml/2006/main" xmlns:r="http://schemas.openxmlformats.org/officeDocument/2006/relationships" xmlns:p="http://schemas.openxmlformats.org/presentationml/2006/main">
   <p:cSld>
@@ -6858,10 +10098,10 @@
       </p:sp>
       <p:pic>
         <p:nvPicPr>
-          <p:cNvPr id="13" name="Plassholder for innhold 12" descr="Et bilde som inneholder skjermbilde&#10;&#10;Beskrivelse som er generert med svært høy visshet">
-            <a:extLst>
-              <a:ext uri="{FF2B5EF4-FFF2-40B4-BE49-F238E27FC236}">
-                <a16:creationId xmlns:a16="http://schemas.microsoft.com/office/drawing/2014/main" id="{E1A67711-A61B-4FA6-ACE7-E2B23E14FBB2}"/>
+          <p:cNvPr id="6" name="Plassholder for innhold 5" descr="Et bilde som inneholder skjermbilde&#10;&#10;Beskrivelse som er generert med svært høy visshet">
+            <a:extLst>
+              <a:ext uri="{FF2B5EF4-FFF2-40B4-BE49-F238E27FC236}">
+                <a16:creationId xmlns:a16="http://schemas.microsoft.com/office/drawing/2014/main" id="{5484A524-AD5D-49B5-936A-331D530A990D}"/>
               </a:ext>
             </a:extLst>
           </p:cNvPr>
@@ -6886,8 +10126,8 @@
         </p:blipFill>
         <p:spPr>
           <a:xfrm>
-            <a:off x="0" y="2793349"/>
-            <a:ext cx="12158364" cy="2437870"/>
+            <a:off x="-8315" y="2345635"/>
+            <a:ext cx="12195011" cy="2910503"/>
           </a:xfrm>
         </p:spPr>
       </p:pic>
@@ -7137,7 +10377,7 @@
           <a:p>
             <a:r>
               <a:rPr lang="nb-NO" dirty="0"/>
-              <a:t>Har Jobbet som Orakel ett år.</a:t>
+              <a:t>Har jobbet som Orakel ett år.</a:t>
             </a:r>
           </a:p>
           <a:p>
@@ -7233,23 +10473,38 @@
         </p:nvSpPr>
         <p:spPr/>
         <p:txBody>
-          <a:bodyPr/>
-          <a:lstStyle/>
-          <a:p>
+          <a:bodyPr>
+            <a:normAutofit fontScale="77500" lnSpcReduction="20000"/>
+          </a:bodyPr>
+          <a:lstStyle/>
+          <a:p>
+            <a:pPr>
+              <a:lnSpc>
+                <a:spcPct val="150000"/>
+              </a:lnSpc>
+            </a:pPr>
             <a:r>
               <a:rPr lang="nb-NO" dirty="0"/>
               <a:t>Andreas Strand</a:t>
             </a:r>
           </a:p>
           <a:p>
-            <a:pPr lvl="1"/>
+            <a:pPr lvl="1">
+              <a:lnSpc>
+                <a:spcPct val="150000"/>
+              </a:lnSpc>
+            </a:pPr>
             <a:r>
               <a:rPr lang="nb-NO" dirty="0"/>
               <a:t>Går Ingeniørfag – Data</a:t>
             </a:r>
           </a:p>
           <a:p>
-            <a:pPr lvl="1"/>
+            <a:pPr lvl="1">
+              <a:lnSpc>
+                <a:spcPct val="150000"/>
+              </a:lnSpc>
+            </a:pPr>
             <a:r>
               <a:rPr lang="nb-NO" dirty="0"/>
               <a:t>Har jobbet som </a:t>
@@ -7264,7 +10519,11 @@
             </a:r>
           </a:p>
           <a:p>
-            <a:pPr lvl="1"/>
+            <a:pPr lvl="1">
+              <a:lnSpc>
+                <a:spcPct val="150000"/>
+              </a:lnSpc>
+            </a:pPr>
             <a:r>
               <a:rPr lang="nb-NO" dirty="0"/>
               <a:t>Skal være </a:t>
@@ -7276,6 +10535,77 @@
             <a:r>
               <a:rPr lang="nb-NO" dirty="0"/>
               <a:t> i programmering.</a:t>
+            </a:r>
+          </a:p>
+          <a:p>
+            <a:pPr>
+              <a:lnSpc>
+                <a:spcPct val="150000"/>
+              </a:lnSpc>
+            </a:pPr>
+            <a:r>
+              <a:rPr lang="nb-NO" dirty="0"/>
+              <a:t>Adrian </a:t>
+            </a:r>
+            <a:r>
+              <a:rPr lang="nb-NO" dirty="0" err="1"/>
+              <a:t>Siim</a:t>
+            </a:r>
+            <a:r>
+              <a:rPr lang="nb-NO" dirty="0"/>
+              <a:t> Melsom </a:t>
+            </a:r>
+          </a:p>
+          <a:p>
+            <a:pPr lvl="1">
+              <a:lnSpc>
+                <a:spcPct val="150000"/>
+              </a:lnSpc>
+            </a:pPr>
+            <a:r>
+              <a:rPr lang="nb-NO" dirty="0"/>
+              <a:t>Utdannet dataingeniør på </a:t>
+            </a:r>
+            <a:r>
+              <a:rPr lang="nb-NO" dirty="0" err="1"/>
+              <a:t>HiOA</a:t>
+            </a:r>
+            <a:r>
+              <a:rPr lang="nb-NO" dirty="0"/>
+              <a:t>. </a:t>
+            </a:r>
+          </a:p>
+          <a:p>
+            <a:pPr lvl="1">
+              <a:lnSpc>
+                <a:spcPct val="150000"/>
+              </a:lnSpc>
+            </a:pPr>
+            <a:r>
+              <a:rPr lang="nb-NO" dirty="0"/>
+              <a:t>Skal til Trondheim etter sommeren for master. </a:t>
+            </a:r>
+          </a:p>
+          <a:p>
+            <a:pPr lvl="1">
+              <a:lnSpc>
+                <a:spcPct val="150000"/>
+              </a:lnSpc>
+            </a:pPr>
+            <a:r>
+              <a:rPr lang="nb-NO" dirty="0"/>
+              <a:t>Jobbet som Orakel i 3 semestre</a:t>
+            </a:r>
+          </a:p>
+          <a:p>
+            <a:pPr lvl="1">
+              <a:lnSpc>
+                <a:spcPct val="150000"/>
+              </a:lnSpc>
+            </a:pPr>
+            <a:r>
+              <a:rPr lang="nb-NO" dirty="0"/>
+              <a:t>Jobber nå i WebTop.</a:t>
             </a:r>
           </a:p>
         </p:txBody>

--- a/Forelesninger/ProgKursMandag.pptx
+++ b/Forelesninger/ProgKursMandag.pptx
@@ -10098,10 +10098,10 @@
       </p:sp>
       <p:pic>
         <p:nvPicPr>
-          <p:cNvPr id="6" name="Plassholder for innhold 5" descr="Et bilde som inneholder skjermbilde&#10;&#10;Beskrivelse som er generert med svært høy visshet">
-            <a:extLst>
-              <a:ext uri="{FF2B5EF4-FFF2-40B4-BE49-F238E27FC236}">
-                <a16:creationId xmlns:a16="http://schemas.microsoft.com/office/drawing/2014/main" id="{5484A524-AD5D-49B5-936A-331D530A990D}"/>
+          <p:cNvPr id="7" name="Plassholder for innhold 6" descr="Et bilde som inneholder skjermbilde&#10;&#10;Beskrivelse som er generert med svært høy visshet">
+            <a:extLst>
+              <a:ext uri="{FF2B5EF4-FFF2-40B4-BE49-F238E27FC236}">
+                <a16:creationId xmlns:a16="http://schemas.microsoft.com/office/drawing/2014/main" id="{657F18FF-A934-4F5F-B9F2-9D2752CEC8DC}"/>
               </a:ext>
             </a:extLst>
           </p:cNvPr>
@@ -10126,8 +10126,8 @@
         </p:blipFill>
         <p:spPr>
           <a:xfrm>
-            <a:off x="-8315" y="2345635"/>
-            <a:ext cx="12195011" cy="2910503"/>
+            <a:off x="28575" y="2504050"/>
+            <a:ext cx="12070710" cy="3010486"/>
           </a:xfrm>
         </p:spPr>
       </p:pic>
